--- a/Updates Slides/Actualització 30_10.pptx
+++ b/Updates Slides/Actualització 30_10.pptx
@@ -1,38 +1,38 @@
 
 <file path=ppt/presentation.xml><?xml version="1.0" encoding="utf-8"?>
-<p:presentation xmlns:a="http://schemas.openxmlformats.org/drawingml/2006/main" xmlns:r="http://schemas.openxmlformats.org/officeDocument/2006/relationships" xmlns:mc="http://schemas.openxmlformats.org/markup-compatibility/2006" xmlns:mv="urn:schemas-microsoft-com:mac:vml" xmlns:p="http://schemas.openxmlformats.org/presentationml/2006/main" xmlns:c="http://schemas.openxmlformats.org/drawingml/2006/chart" xmlns:dgm="http://schemas.openxmlformats.org/drawingml/2006/diagram" xmlns:o="urn:schemas-microsoft-com:office:office" xmlns:v="urn:schemas-microsoft-com:vml" xmlns:pvml="urn:schemas-microsoft-com:office:powerpoint" xmlns:com="http://schemas.openxmlformats.org/drawingml/2006/compatibility" xmlns:p14="http://schemas.microsoft.com/office/powerpoint/2010/main" xmlns:p15="http://schemas.microsoft.com/office/powerpoint/2012/main" xmlns:ahyp="http://schemas.microsoft.com/office/drawing/2018/hyperlinkcolor" autoCompressPictures="0" embedTrueTypeFonts="1" strictFirstAndLastChars="0" saveSubsetFonts="1">
+<p:presentation xmlns:a="http://schemas.openxmlformats.org/drawingml/2006/main" xmlns:r="http://schemas.openxmlformats.org/officeDocument/2006/relationships" xmlns:p="http://schemas.openxmlformats.org/presentationml/2006/main" strictFirstAndLastChars="0" embedTrueTypeFonts="1" saveSubsetFonts="1" autoCompressPictures="0">
   <p:sldMasterIdLst>
-    <p:sldMasterId id="2147483659" r:id="rId4"/>
+    <p:sldMasterId id="2147483659" r:id="rId1"/>
   </p:sldMasterIdLst>
   <p:notesMasterIdLst>
-    <p:notesMasterId r:id="rId5"/>
+    <p:notesMasterId r:id="rId6"/>
   </p:notesMasterIdLst>
   <p:sldIdLst>
-    <p:sldId id="256" r:id="rId6"/>
-    <p:sldId id="257" r:id="rId7"/>
-    <p:sldId id="258" r:id="rId8"/>
-    <p:sldId id="259" r:id="rId9"/>
+    <p:sldId id="256" r:id="rId2"/>
+    <p:sldId id="257" r:id="rId3"/>
+    <p:sldId id="258" r:id="rId4"/>
+    <p:sldId id="259" r:id="rId5"/>
   </p:sldIdLst>
-  <p:sldSz cy="5143500" cx="9144000"/>
+  <p:sldSz cx="9144000" cy="5143500" type="screen16x9"/>
   <p:notesSz cx="6858000" cy="9144000"/>
   <p:embeddedFontLst>
     <p:embeddedFont>
-      <p:font typeface="Average"/>
-      <p:regular r:id="rId10"/>
+      <p:font typeface="Average" panose="020B0604020202020204" charset="0"/>
+      <p:regular r:id="rId7"/>
     </p:embeddedFont>
     <p:embeddedFont>
-      <p:font typeface="Lexend"/>
-      <p:regular r:id="rId11"/>
-      <p:bold r:id="rId12"/>
+      <p:font typeface="Lexend" panose="020B0604020202020204" charset="0"/>
+      <p:regular r:id="rId8"/>
+      <p:bold r:id="rId9"/>
     </p:embeddedFont>
     <p:embeddedFont>
-      <p:font typeface="Oswald"/>
-      <p:regular r:id="rId13"/>
-      <p:bold r:id="rId14"/>
+      <p:font typeface="Oswald" panose="00000500000000000000" pitchFamily="2" charset="0"/>
+      <p:regular r:id="rId10"/>
+      <p:bold r:id="rId11"/>
     </p:embeddedFont>
   </p:embeddedFontLst>
   <p:defaultTextStyle>
-    <a:defPPr lvl="0" marR="0" rtl="0" algn="l">
+    <a:defPPr marR="0" lvl="0" algn="l" rtl="0">
       <a:lnSpc>
         <a:spcPct val="100000"/>
       </a:lnSpc>
@@ -43,7 +43,7 @@
         <a:spcPts val="0"/>
       </a:spcAft>
     </a:defPPr>
-    <a:lvl1pPr lvl="0" marR="0" rtl="0" algn="l">
+    <a:lvl1pPr marR="0" lvl="0" algn="l" rtl="0">
       <a:lnSpc>
         <a:spcPct val="100000"/>
       </a:lnSpc>
@@ -57,7 +57,7 @@
         <a:srgbClr val="000000"/>
       </a:buClr>
       <a:buFont typeface="Arial"/>
-      <a:defRPr b="0" i="0" sz="1400" u="none" cap="none" strike="noStrike">
+      <a:defRPr sz="1400" b="0" i="0" u="none" strike="noStrike" cap="none">
         <a:solidFill>
           <a:srgbClr val="000000"/>
         </a:solidFill>
@@ -67,7 +67,7 @@
         <a:sym typeface="Arial"/>
       </a:defRPr>
     </a:lvl1pPr>
-    <a:lvl2pPr lvl="1" marR="0" rtl="0" algn="l">
+    <a:lvl2pPr marR="0" lvl="1" algn="l" rtl="0">
       <a:lnSpc>
         <a:spcPct val="100000"/>
       </a:lnSpc>
@@ -81,7 +81,7 @@
         <a:srgbClr val="000000"/>
       </a:buClr>
       <a:buFont typeface="Arial"/>
-      <a:defRPr b="0" i="0" sz="1400" u="none" cap="none" strike="noStrike">
+      <a:defRPr sz="1400" b="0" i="0" u="none" strike="noStrike" cap="none">
         <a:solidFill>
           <a:srgbClr val="000000"/>
         </a:solidFill>
@@ -91,7 +91,7 @@
         <a:sym typeface="Arial"/>
       </a:defRPr>
     </a:lvl2pPr>
-    <a:lvl3pPr lvl="2" marR="0" rtl="0" algn="l">
+    <a:lvl3pPr marR="0" lvl="2" algn="l" rtl="0">
       <a:lnSpc>
         <a:spcPct val="100000"/>
       </a:lnSpc>
@@ -105,7 +105,7 @@
         <a:srgbClr val="000000"/>
       </a:buClr>
       <a:buFont typeface="Arial"/>
-      <a:defRPr b="0" i="0" sz="1400" u="none" cap="none" strike="noStrike">
+      <a:defRPr sz="1400" b="0" i="0" u="none" strike="noStrike" cap="none">
         <a:solidFill>
           <a:srgbClr val="000000"/>
         </a:solidFill>
@@ -115,7 +115,7 @@
         <a:sym typeface="Arial"/>
       </a:defRPr>
     </a:lvl3pPr>
-    <a:lvl4pPr lvl="3" marR="0" rtl="0" algn="l">
+    <a:lvl4pPr marR="0" lvl="3" algn="l" rtl="0">
       <a:lnSpc>
         <a:spcPct val="100000"/>
       </a:lnSpc>
@@ -129,7 +129,7 @@
         <a:srgbClr val="000000"/>
       </a:buClr>
       <a:buFont typeface="Arial"/>
-      <a:defRPr b="0" i="0" sz="1400" u="none" cap="none" strike="noStrike">
+      <a:defRPr sz="1400" b="0" i="0" u="none" strike="noStrike" cap="none">
         <a:solidFill>
           <a:srgbClr val="000000"/>
         </a:solidFill>
@@ -139,7 +139,7 @@
         <a:sym typeface="Arial"/>
       </a:defRPr>
     </a:lvl4pPr>
-    <a:lvl5pPr lvl="4" marR="0" rtl="0" algn="l">
+    <a:lvl5pPr marR="0" lvl="4" algn="l" rtl="0">
       <a:lnSpc>
         <a:spcPct val="100000"/>
       </a:lnSpc>
@@ -153,7 +153,7 @@
         <a:srgbClr val="000000"/>
       </a:buClr>
       <a:buFont typeface="Arial"/>
-      <a:defRPr b="0" i="0" sz="1400" u="none" cap="none" strike="noStrike">
+      <a:defRPr sz="1400" b="0" i="0" u="none" strike="noStrike" cap="none">
         <a:solidFill>
           <a:srgbClr val="000000"/>
         </a:solidFill>
@@ -163,7 +163,7 @@
         <a:sym typeface="Arial"/>
       </a:defRPr>
     </a:lvl5pPr>
-    <a:lvl6pPr lvl="5" marR="0" rtl="0" algn="l">
+    <a:lvl6pPr marR="0" lvl="5" algn="l" rtl="0">
       <a:lnSpc>
         <a:spcPct val="100000"/>
       </a:lnSpc>
@@ -177,7 +177,7 @@
         <a:srgbClr val="000000"/>
       </a:buClr>
       <a:buFont typeface="Arial"/>
-      <a:defRPr b="0" i="0" sz="1400" u="none" cap="none" strike="noStrike">
+      <a:defRPr sz="1400" b="0" i="0" u="none" strike="noStrike" cap="none">
         <a:solidFill>
           <a:srgbClr val="000000"/>
         </a:solidFill>
@@ -187,7 +187,7 @@
         <a:sym typeface="Arial"/>
       </a:defRPr>
     </a:lvl6pPr>
-    <a:lvl7pPr lvl="6" marR="0" rtl="0" algn="l">
+    <a:lvl7pPr marR="0" lvl="6" algn="l" rtl="0">
       <a:lnSpc>
         <a:spcPct val="100000"/>
       </a:lnSpc>
@@ -201,7 +201,7 @@
         <a:srgbClr val="000000"/>
       </a:buClr>
       <a:buFont typeface="Arial"/>
-      <a:defRPr b="0" i="0" sz="1400" u="none" cap="none" strike="noStrike">
+      <a:defRPr sz="1400" b="0" i="0" u="none" strike="noStrike" cap="none">
         <a:solidFill>
           <a:srgbClr val="000000"/>
         </a:solidFill>
@@ -211,7 +211,7 @@
         <a:sym typeface="Arial"/>
       </a:defRPr>
     </a:lvl7pPr>
-    <a:lvl8pPr lvl="7" marR="0" rtl="0" algn="l">
+    <a:lvl8pPr marR="0" lvl="7" algn="l" rtl="0">
       <a:lnSpc>
         <a:spcPct val="100000"/>
       </a:lnSpc>
@@ -225,7 +225,7 @@
         <a:srgbClr val="000000"/>
       </a:buClr>
       <a:buFont typeface="Arial"/>
-      <a:defRPr b="0" i="0" sz="1400" u="none" cap="none" strike="noStrike">
+      <a:defRPr sz="1400" b="0" i="0" u="none" strike="noStrike" cap="none">
         <a:solidFill>
           <a:srgbClr val="000000"/>
         </a:solidFill>
@@ -235,7 +235,7 @@
         <a:sym typeface="Arial"/>
       </a:defRPr>
     </a:lvl8pPr>
-    <a:lvl9pPr lvl="8" marR="0" rtl="0" algn="l">
+    <a:lvl9pPr marR="0" lvl="8" algn="l" rtl="0">
       <a:lnSpc>
         <a:spcPct val="100000"/>
       </a:lnSpc>
@@ -249,7 +249,7 @@
         <a:srgbClr val="000000"/>
       </a:buClr>
       <a:buFont typeface="Arial"/>
-      <a:defRPr b="0" i="0" sz="1400" u="none" cap="none" strike="noStrike">
+      <a:defRPr sz="1400" b="0" i="0" u="none" strike="noStrike" cap="none">
         <a:solidFill>
           <a:srgbClr val="000000"/>
         </a:solidFill>
@@ -262,7 +262,7 @@
   </p:defaultTextStyle>
   <p:extLst>
     <p:ext uri="{EFAFB233-063F-42B5-8137-9DF3F51BA10A}">
-      <p15:sldGuideLst>
+      <p15:sldGuideLst xmlns:p15="http://schemas.microsoft.com/office/powerpoint/2012/main">
         <p15:guide id="1" orient="horz" pos="1620">
           <p15:clr>
             <a:srgbClr val="A4A3A4"/>
@@ -280,11 +280,16 @@
 </file>
 
 <file path=ppt/notesMasters/notesMaster1.xml><?xml version="1.0" encoding="utf-8"?>
-<p:notesMaster xmlns:a="http://schemas.openxmlformats.org/drawingml/2006/main" xmlns:r="http://schemas.openxmlformats.org/officeDocument/2006/relationships" xmlns:mc="http://schemas.openxmlformats.org/markup-compatibility/2006" xmlns:mv="urn:schemas-microsoft-com:mac:vml" xmlns:p="http://schemas.openxmlformats.org/presentationml/2006/main" xmlns:c="http://schemas.openxmlformats.org/drawingml/2006/chart" xmlns:dgm="http://schemas.openxmlformats.org/drawingml/2006/diagram" xmlns:o="urn:schemas-microsoft-com:office:office" xmlns:v="urn:schemas-microsoft-com:vml" xmlns:pvml="urn:schemas-microsoft-com:office:powerpoint" xmlns:com="http://schemas.openxmlformats.org/drawingml/2006/compatibility" xmlns:p14="http://schemas.microsoft.com/office/powerpoint/2010/main" xmlns:p15="http://schemas.microsoft.com/office/powerpoint/2012/main" xmlns:ahyp="http://schemas.microsoft.com/office/drawing/2018/hyperlinkcolor">
+<p:notesMaster xmlns:a="http://schemas.openxmlformats.org/drawingml/2006/main" xmlns:r="http://schemas.openxmlformats.org/officeDocument/2006/relationships" xmlns:p="http://schemas.openxmlformats.org/presentationml/2006/main">
   <p:cSld>
+    <p:bg>
+      <p:bgRef idx="1001">
+        <a:schemeClr val="bg1"/>
+      </p:bgRef>
+    </p:bg>
     <p:spTree>
       <p:nvGrpSpPr>
-        <p:cNvPr id="2" name="Shape 2"/>
+        <p:cNvPr id="1" name="Shape 2"/>
         <p:cNvGrpSpPr/>
         <p:nvPr/>
       </p:nvGrpSpPr>
@@ -299,9 +304,11 @@
       <p:sp>
         <p:nvSpPr>
           <p:cNvPr id="3" name="Google Shape;3;n"/>
-          <p:cNvSpPr/>
+          <p:cNvSpPr>
+            <a:spLocks noGrp="1" noRot="1" noChangeAspect="1"/>
+          </p:cNvSpPr>
           <p:nvPr>
-            <p:ph idx="2" type="sldImg"/>
+            <p:ph type="sldImg" idx="2"/>
           </p:nvPr>
         </p:nvSpPr>
         <p:spPr>
@@ -310,9 +317,13 @@
             <a:ext cx="6096075" cy="3429000"/>
           </a:xfrm>
           <a:custGeom>
-            <a:rect b="b" l="l" r="r" t="t"/>
+            <a:avLst/>
+            <a:gdLst/>
+            <a:ahLst/>
+            <a:cxnLst/>
+            <a:rect l="l" t="t" r="r" b="b"/>
             <a:pathLst>
-              <a:path extrusionOk="0" h="120000" w="120000">
+              <a:path w="120000" h="120000" extrusionOk="0">
                 <a:moveTo>
                   <a:pt x="0" y="0"/>
                 </a:moveTo>
@@ -330,23 +341,25 @@
             </a:pathLst>
           </a:custGeom>
           <a:noFill/>
-          <a:ln cap="flat" cmpd="sng" w="9525">
+          <a:ln w="9525" cap="flat" cmpd="sng">
             <a:solidFill>
               <a:srgbClr val="000000"/>
             </a:solidFill>
             <a:prstDash val="solid"/>
             <a:round/>
-            <a:headEnd len="sm" w="sm" type="none"/>
-            <a:tailEnd len="sm" w="sm" type="none"/>
+            <a:headEnd type="none" w="sm" len="sm"/>
+            <a:tailEnd type="none" w="sm" len="sm"/>
           </a:ln>
         </p:spPr>
       </p:sp>
       <p:sp>
         <p:nvSpPr>
           <p:cNvPr id="4" name="Google Shape;4;n"/>
-          <p:cNvSpPr txBox="1"/>
+          <p:cNvSpPr txBox="1">
+            <a:spLocks noGrp="1"/>
+          </p:cNvSpPr>
           <p:nvPr>
-            <p:ph idx="1" type="body"/>
+            <p:ph type="body" idx="1"/>
           </p:nvPr>
         </p:nvSpPr>
         <p:spPr>
@@ -363,11 +376,11 @@
           </a:ln>
         </p:spPr>
         <p:txBody>
-          <a:bodyPr anchorCtr="0" anchor="t" bIns="91425" lIns="91425" spcFirstLastPara="1" rIns="91425" wrap="square" tIns="91425">
+          <a:bodyPr spcFirstLastPara="1" wrap="square" lIns="91425" tIns="91425" rIns="91425" bIns="91425" anchor="t" anchorCtr="0">
             <a:noAutofit/>
           </a:bodyPr>
           <a:lstStyle>
-            <a:lvl1pPr indent="-298450" lvl="0" marL="457200">
+            <a:lvl1pPr marL="457200" lvl="0" indent="-298450">
               <a:spcBef>
                 <a:spcPts val="0"/>
               </a:spcBef>
@@ -378,7 +391,7 @@
               <a:buChar char="●"/>
               <a:defRPr sz="1100"/>
             </a:lvl1pPr>
-            <a:lvl2pPr indent="-298450" lvl="1" marL="914400">
+            <a:lvl2pPr marL="914400" lvl="1" indent="-298450">
               <a:spcBef>
                 <a:spcPts val="0"/>
               </a:spcBef>
@@ -389,7 +402,7 @@
               <a:buChar char="○"/>
               <a:defRPr sz="1100"/>
             </a:lvl2pPr>
-            <a:lvl3pPr indent="-298450" lvl="2" marL="1371600">
+            <a:lvl3pPr marL="1371600" lvl="2" indent="-298450">
               <a:spcBef>
                 <a:spcPts val="0"/>
               </a:spcBef>
@@ -400,7 +413,7 @@
               <a:buChar char="■"/>
               <a:defRPr sz="1100"/>
             </a:lvl3pPr>
-            <a:lvl4pPr indent="-298450" lvl="3" marL="1828800">
+            <a:lvl4pPr marL="1828800" lvl="3" indent="-298450">
               <a:spcBef>
                 <a:spcPts val="0"/>
               </a:spcBef>
@@ -411,7 +424,7 @@
               <a:buChar char="●"/>
               <a:defRPr sz="1100"/>
             </a:lvl4pPr>
-            <a:lvl5pPr indent="-298450" lvl="4" marL="2286000">
+            <a:lvl5pPr marL="2286000" lvl="4" indent="-298450">
               <a:spcBef>
                 <a:spcPts val="0"/>
               </a:spcBef>
@@ -422,7 +435,7 @@
               <a:buChar char="○"/>
               <a:defRPr sz="1100"/>
             </a:lvl5pPr>
-            <a:lvl6pPr indent="-298450" lvl="5" marL="2743200">
+            <a:lvl6pPr marL="2743200" lvl="5" indent="-298450">
               <a:spcBef>
                 <a:spcPts val="0"/>
               </a:spcBef>
@@ -433,7 +446,7 @@
               <a:buChar char="■"/>
               <a:defRPr sz="1100"/>
             </a:lvl6pPr>
-            <a:lvl7pPr indent="-298450" lvl="6" marL="3200400">
+            <a:lvl7pPr marL="3200400" lvl="6" indent="-298450">
               <a:spcBef>
                 <a:spcPts val="0"/>
               </a:spcBef>
@@ -444,7 +457,7 @@
               <a:buChar char="●"/>
               <a:defRPr sz="1100"/>
             </a:lvl7pPr>
-            <a:lvl8pPr indent="-298450" lvl="7" marL="3657600">
+            <a:lvl8pPr marL="3657600" lvl="7" indent="-298450">
               <a:spcBef>
                 <a:spcPts val="0"/>
               </a:spcBef>
@@ -455,7 +468,7 @@
               <a:buChar char="○"/>
               <a:defRPr sz="1100"/>
             </a:lvl8pPr>
-            <a:lvl9pPr indent="-298450" lvl="8" marL="4114800">
+            <a:lvl9pPr marL="4114800" lvl="8" indent="-298450">
               <a:spcBef>
                 <a:spcPts val="0"/>
               </a:spcBef>
@@ -467,14 +480,16 @@
               <a:defRPr sz="1100"/>
             </a:lvl9pPr>
           </a:lstStyle>
-          <a:p/>
+          <a:p>
+            <a:endParaRPr/>
+          </a:p>
         </p:txBody>
       </p:sp>
     </p:spTree>
   </p:cSld>
-  <p:clrMap accent1="accent1" accent2="accent2" accent3="accent3" accent4="accent4" accent5="accent5" accent6="accent6" bg1="lt1" bg2="dk2" tx1="dk1" tx2="lt2" folHlink="folHlink" hlink="hlink"/>
+  <p:clrMap bg1="lt1" tx1="dk1" bg2="dk2" tx2="lt2" accent1="accent1" accent2="accent2" accent3="accent3" accent4="accent4" accent5="accent5" accent6="accent6" hlink="hlink" folHlink="folHlink"/>
   <p:notesStyle>
-    <a:defPPr lvl="0" marR="0" rtl="0" algn="l">
+    <a:defPPr marR="0" lvl="0" algn="l" rtl="0">
       <a:lnSpc>
         <a:spcPct val="100000"/>
       </a:lnSpc>
@@ -485,7 +500,7 @@
         <a:spcPts val="0"/>
       </a:spcAft>
     </a:defPPr>
-    <a:lvl1pPr lvl="0" marR="0" rtl="0" algn="l">
+    <a:lvl1pPr marR="0" lvl="0" algn="l" rtl="0">
       <a:lnSpc>
         <a:spcPct val="100000"/>
       </a:lnSpc>
@@ -499,7 +514,7 @@
         <a:srgbClr val="000000"/>
       </a:buClr>
       <a:buFont typeface="Arial"/>
-      <a:defRPr b="0" i="0" sz="1400" u="none" cap="none" strike="noStrike">
+      <a:defRPr sz="1400" b="0" i="0" u="none" strike="noStrike" cap="none">
         <a:solidFill>
           <a:srgbClr val="000000"/>
         </a:solidFill>
@@ -509,7 +524,7 @@
         <a:sym typeface="Arial"/>
       </a:defRPr>
     </a:lvl1pPr>
-    <a:lvl2pPr lvl="1" marR="0" rtl="0" algn="l">
+    <a:lvl2pPr marR="0" lvl="1" algn="l" rtl="0">
       <a:lnSpc>
         <a:spcPct val="100000"/>
       </a:lnSpc>
@@ -523,7 +538,7 @@
         <a:srgbClr val="000000"/>
       </a:buClr>
       <a:buFont typeface="Arial"/>
-      <a:defRPr b="0" i="0" sz="1400" u="none" cap="none" strike="noStrike">
+      <a:defRPr sz="1400" b="0" i="0" u="none" strike="noStrike" cap="none">
         <a:solidFill>
           <a:srgbClr val="000000"/>
         </a:solidFill>
@@ -533,7 +548,7 @@
         <a:sym typeface="Arial"/>
       </a:defRPr>
     </a:lvl2pPr>
-    <a:lvl3pPr lvl="2" marR="0" rtl="0" algn="l">
+    <a:lvl3pPr marR="0" lvl="2" algn="l" rtl="0">
       <a:lnSpc>
         <a:spcPct val="100000"/>
       </a:lnSpc>
@@ -547,7 +562,7 @@
         <a:srgbClr val="000000"/>
       </a:buClr>
       <a:buFont typeface="Arial"/>
-      <a:defRPr b="0" i="0" sz="1400" u="none" cap="none" strike="noStrike">
+      <a:defRPr sz="1400" b="0" i="0" u="none" strike="noStrike" cap="none">
         <a:solidFill>
           <a:srgbClr val="000000"/>
         </a:solidFill>
@@ -557,7 +572,7 @@
         <a:sym typeface="Arial"/>
       </a:defRPr>
     </a:lvl3pPr>
-    <a:lvl4pPr lvl="3" marR="0" rtl="0" algn="l">
+    <a:lvl4pPr marR="0" lvl="3" algn="l" rtl="0">
       <a:lnSpc>
         <a:spcPct val="100000"/>
       </a:lnSpc>
@@ -571,7 +586,7 @@
         <a:srgbClr val="000000"/>
       </a:buClr>
       <a:buFont typeface="Arial"/>
-      <a:defRPr b="0" i="0" sz="1400" u="none" cap="none" strike="noStrike">
+      <a:defRPr sz="1400" b="0" i="0" u="none" strike="noStrike" cap="none">
         <a:solidFill>
           <a:srgbClr val="000000"/>
         </a:solidFill>
@@ -581,7 +596,7 @@
         <a:sym typeface="Arial"/>
       </a:defRPr>
     </a:lvl4pPr>
-    <a:lvl5pPr lvl="4" marR="0" rtl="0" algn="l">
+    <a:lvl5pPr marR="0" lvl="4" algn="l" rtl="0">
       <a:lnSpc>
         <a:spcPct val="100000"/>
       </a:lnSpc>
@@ -595,7 +610,7 @@
         <a:srgbClr val="000000"/>
       </a:buClr>
       <a:buFont typeface="Arial"/>
-      <a:defRPr b="0" i="0" sz="1400" u="none" cap="none" strike="noStrike">
+      <a:defRPr sz="1400" b="0" i="0" u="none" strike="noStrike" cap="none">
         <a:solidFill>
           <a:srgbClr val="000000"/>
         </a:solidFill>
@@ -605,7 +620,7 @@
         <a:sym typeface="Arial"/>
       </a:defRPr>
     </a:lvl5pPr>
-    <a:lvl6pPr lvl="5" marR="0" rtl="0" algn="l">
+    <a:lvl6pPr marR="0" lvl="5" algn="l" rtl="0">
       <a:lnSpc>
         <a:spcPct val="100000"/>
       </a:lnSpc>
@@ -619,7 +634,7 @@
         <a:srgbClr val="000000"/>
       </a:buClr>
       <a:buFont typeface="Arial"/>
-      <a:defRPr b="0" i="0" sz="1400" u="none" cap="none" strike="noStrike">
+      <a:defRPr sz="1400" b="0" i="0" u="none" strike="noStrike" cap="none">
         <a:solidFill>
           <a:srgbClr val="000000"/>
         </a:solidFill>
@@ -629,7 +644,7 @@
         <a:sym typeface="Arial"/>
       </a:defRPr>
     </a:lvl6pPr>
-    <a:lvl7pPr lvl="6" marR="0" rtl="0" algn="l">
+    <a:lvl7pPr marR="0" lvl="6" algn="l" rtl="0">
       <a:lnSpc>
         <a:spcPct val="100000"/>
       </a:lnSpc>
@@ -643,7 +658,7 @@
         <a:srgbClr val="000000"/>
       </a:buClr>
       <a:buFont typeface="Arial"/>
-      <a:defRPr b="0" i="0" sz="1400" u="none" cap="none" strike="noStrike">
+      <a:defRPr sz="1400" b="0" i="0" u="none" strike="noStrike" cap="none">
         <a:solidFill>
           <a:srgbClr val="000000"/>
         </a:solidFill>
@@ -653,7 +668,7 @@
         <a:sym typeface="Arial"/>
       </a:defRPr>
     </a:lvl7pPr>
-    <a:lvl8pPr lvl="7" marR="0" rtl="0" algn="l">
+    <a:lvl8pPr marR="0" lvl="7" algn="l" rtl="0">
       <a:lnSpc>
         <a:spcPct val="100000"/>
       </a:lnSpc>
@@ -667,7 +682,7 @@
         <a:srgbClr val="000000"/>
       </a:buClr>
       <a:buFont typeface="Arial"/>
-      <a:defRPr b="0" i="0" sz="1400" u="none" cap="none" strike="noStrike">
+      <a:defRPr sz="1400" b="0" i="0" u="none" strike="noStrike" cap="none">
         <a:solidFill>
           <a:srgbClr val="000000"/>
         </a:solidFill>
@@ -677,7 +692,7 @@
         <a:sym typeface="Arial"/>
       </a:defRPr>
     </a:lvl8pPr>
-    <a:lvl9pPr lvl="8" marR="0" rtl="0" algn="l">
+    <a:lvl9pPr marR="0" lvl="8" algn="l" rtl="0">
       <a:lnSpc>
         <a:spcPct val="100000"/>
       </a:lnSpc>
@@ -691,7 +706,7 @@
         <a:srgbClr val="000000"/>
       </a:buClr>
       <a:buFont typeface="Arial"/>
-      <a:defRPr b="0" i="0" sz="1400" u="none" cap="none" strike="noStrike">
+      <a:defRPr sz="1400" b="0" i="0" u="none" strike="noStrike" cap="none">
         <a:solidFill>
           <a:srgbClr val="000000"/>
         </a:solidFill>
@@ -706,11 +721,11 @@
 </file>
 
 <file path=ppt/notesSlides/notesSlide1.xml><?xml version="1.0" encoding="utf-8"?>
-<p:notes xmlns:a="http://schemas.openxmlformats.org/drawingml/2006/main" xmlns:r="http://schemas.openxmlformats.org/officeDocument/2006/relationships" xmlns:mc="http://schemas.openxmlformats.org/markup-compatibility/2006" xmlns:mv="urn:schemas-microsoft-com:mac:vml" xmlns:p="http://schemas.openxmlformats.org/presentationml/2006/main" xmlns:c="http://schemas.openxmlformats.org/drawingml/2006/chart" xmlns:dgm="http://schemas.openxmlformats.org/drawingml/2006/diagram" xmlns:o="urn:schemas-microsoft-com:office:office" xmlns:v="urn:schemas-microsoft-com:vml" xmlns:pvml="urn:schemas-microsoft-com:office:powerpoint" xmlns:com="http://schemas.openxmlformats.org/drawingml/2006/compatibility" xmlns:p14="http://schemas.microsoft.com/office/powerpoint/2010/main" xmlns:p15="http://schemas.microsoft.com/office/powerpoint/2012/main" xmlns:ahyp="http://schemas.microsoft.com/office/drawing/2018/hyperlinkcolor" showMasterPhAnim="0" showMasterSp="0">
+<p:notes xmlns:a="http://schemas.openxmlformats.org/drawingml/2006/main" xmlns:r="http://schemas.openxmlformats.org/officeDocument/2006/relationships" xmlns:p="http://schemas.openxmlformats.org/presentationml/2006/main" showMasterSp="0" showMasterPhAnim="0">
   <p:cSld>
     <p:spTree>
       <p:nvGrpSpPr>
-        <p:cNvPr id="55" name="Shape 55"/>
+        <p:cNvPr id="1" name="Shape 55"/>
         <p:cNvGrpSpPr/>
         <p:nvPr/>
       </p:nvGrpSpPr>
@@ -725,9 +740,11 @@
       <p:sp>
         <p:nvSpPr>
           <p:cNvPr id="56" name="Google Shape;56;p:notes"/>
-          <p:cNvSpPr/>
+          <p:cNvSpPr>
+            <a:spLocks noGrp="1" noRot="1" noChangeAspect="1"/>
+          </p:cNvSpPr>
           <p:nvPr>
-            <p:ph idx="2" type="sldImg"/>
+            <p:ph type="sldImg" idx="2"/>
           </p:nvPr>
         </p:nvSpPr>
         <p:spPr>
@@ -736,9 +753,13 @@
             <a:ext cx="6096075" cy="3429000"/>
           </a:xfrm>
           <a:custGeom>
-            <a:rect b="b" l="l" r="r" t="t"/>
+            <a:avLst/>
+            <a:gdLst/>
+            <a:ahLst/>
+            <a:cxnLst/>
+            <a:rect l="l" t="t" r="r" b="b"/>
             <a:pathLst>
-              <a:path extrusionOk="0" h="120000" w="120000">
+              <a:path w="120000" h="120000" extrusionOk="0">
                 <a:moveTo>
                   <a:pt x="0" y="0"/>
                 </a:moveTo>
@@ -760,9 +781,11 @@
       <p:sp>
         <p:nvSpPr>
           <p:cNvPr id="57" name="Google Shape;57;p:notes"/>
-          <p:cNvSpPr txBox="1"/>
+          <p:cNvSpPr txBox="1">
+            <a:spLocks noGrp="1"/>
+          </p:cNvSpPr>
           <p:nvPr>
-            <p:ph idx="1" type="body"/>
+            <p:ph type="body" idx="1"/>
           </p:nvPr>
         </p:nvSpPr>
         <p:spPr>
@@ -775,12 +798,12 @@
           </a:prstGeom>
         </p:spPr>
         <p:txBody>
-          <a:bodyPr anchorCtr="0" anchor="t" bIns="91425" lIns="91425" spcFirstLastPara="1" rIns="91425" wrap="square" tIns="91425">
+          <a:bodyPr spcFirstLastPara="1" wrap="square" lIns="91425" tIns="91425" rIns="91425" bIns="91425" anchor="t" anchorCtr="0">
             <a:noAutofit/>
           </a:bodyPr>
           <a:lstStyle/>
           <a:p>
-            <a:pPr indent="0" lvl="0" marL="0" rtl="0" algn="l">
+            <a:pPr marL="0" lvl="0" indent="0" algn="l" rtl="0">
               <a:spcBef>
                 <a:spcPts val="0"/>
               </a:spcBef>
@@ -789,9 +812,6 @@
               </a:spcAft>
               <a:buNone/>
             </a:pPr>
-            <a:r>
-              <a:t/>
-            </a:r>
             <a:endParaRPr/>
           </a:p>
         </p:txBody>
@@ -805,11 +825,11 @@
 </file>
 
 <file path=ppt/notesSlides/notesSlide2.xml><?xml version="1.0" encoding="utf-8"?>
-<p:notes xmlns:a="http://schemas.openxmlformats.org/drawingml/2006/main" xmlns:r="http://schemas.openxmlformats.org/officeDocument/2006/relationships" xmlns:mc="http://schemas.openxmlformats.org/markup-compatibility/2006" xmlns:mv="urn:schemas-microsoft-com:mac:vml" xmlns:p="http://schemas.openxmlformats.org/presentationml/2006/main" xmlns:c="http://schemas.openxmlformats.org/drawingml/2006/chart" xmlns:dgm="http://schemas.openxmlformats.org/drawingml/2006/diagram" xmlns:o="urn:schemas-microsoft-com:office:office" xmlns:v="urn:schemas-microsoft-com:vml" xmlns:pvml="urn:schemas-microsoft-com:office:powerpoint" xmlns:com="http://schemas.openxmlformats.org/drawingml/2006/compatibility" xmlns:p14="http://schemas.microsoft.com/office/powerpoint/2010/main" xmlns:p15="http://schemas.microsoft.com/office/powerpoint/2012/main" xmlns:ahyp="http://schemas.microsoft.com/office/drawing/2018/hyperlinkcolor" showMasterPhAnim="0" showMasterSp="0">
+<p:notes xmlns:a="http://schemas.openxmlformats.org/drawingml/2006/main" xmlns:r="http://schemas.openxmlformats.org/officeDocument/2006/relationships" xmlns:p="http://schemas.openxmlformats.org/presentationml/2006/main" showMasterSp="0" showMasterPhAnim="0">
   <p:cSld>
     <p:spTree>
       <p:nvGrpSpPr>
-        <p:cNvPr id="62" name="Shape 62"/>
+        <p:cNvPr id="1" name="Shape 62"/>
         <p:cNvGrpSpPr/>
         <p:nvPr/>
       </p:nvGrpSpPr>
@@ -824,20 +844,26 @@
       <p:sp>
         <p:nvSpPr>
           <p:cNvPr id="63" name="Google Shape;63;g25be6da359f_0_18:notes"/>
-          <p:cNvSpPr/>
+          <p:cNvSpPr>
+            <a:spLocks noGrp="1" noRot="1" noChangeAspect="1"/>
+          </p:cNvSpPr>
           <p:nvPr>
-            <p:ph idx="2" type="sldImg"/>
+            <p:ph type="sldImg" idx="2"/>
           </p:nvPr>
         </p:nvSpPr>
         <p:spPr>
           <a:xfrm>
-            <a:off x="381300" y="685800"/>
+            <a:off x="381000" y="685800"/>
             <a:ext cx="6096000" cy="3429000"/>
           </a:xfrm>
           <a:custGeom>
-            <a:rect b="b" l="l" r="r" t="t"/>
+            <a:avLst/>
+            <a:gdLst/>
+            <a:ahLst/>
+            <a:cxnLst/>
+            <a:rect l="l" t="t" r="r" b="b"/>
             <a:pathLst>
-              <a:path extrusionOk="0" h="120000" w="120000">
+              <a:path w="120000" h="120000" extrusionOk="0">
                 <a:moveTo>
                   <a:pt x="0" y="0"/>
                 </a:moveTo>
@@ -859,9 +885,11 @@
       <p:sp>
         <p:nvSpPr>
           <p:cNvPr id="64" name="Google Shape;64;g25be6da359f_0_18:notes"/>
-          <p:cNvSpPr txBox="1"/>
+          <p:cNvSpPr txBox="1">
+            <a:spLocks noGrp="1"/>
+          </p:cNvSpPr>
           <p:nvPr>
-            <p:ph idx="1" type="body"/>
+            <p:ph type="body" idx="1"/>
           </p:nvPr>
         </p:nvSpPr>
         <p:spPr>
@@ -874,12 +902,12 @@
           </a:prstGeom>
         </p:spPr>
         <p:txBody>
-          <a:bodyPr anchorCtr="0" anchor="t" bIns="91425" lIns="91425" spcFirstLastPara="1" rIns="91425" wrap="square" tIns="91425">
+          <a:bodyPr spcFirstLastPara="1" wrap="square" lIns="91425" tIns="91425" rIns="91425" bIns="91425" anchor="t" anchorCtr="0">
             <a:noAutofit/>
           </a:bodyPr>
           <a:lstStyle/>
           <a:p>
-            <a:pPr indent="0" lvl="0" marL="0" rtl="0" algn="l">
+            <a:pPr marL="0" lvl="0" indent="0" algn="l" rtl="0">
               <a:spcBef>
                 <a:spcPts val="0"/>
               </a:spcBef>
@@ -888,9 +916,6 @@
               </a:spcAft>
               <a:buNone/>
             </a:pPr>
-            <a:r>
-              <a:t/>
-            </a:r>
             <a:endParaRPr/>
           </a:p>
         </p:txBody>
@@ -904,11 +929,11 @@
 </file>
 
 <file path=ppt/notesSlides/notesSlide3.xml><?xml version="1.0" encoding="utf-8"?>
-<p:notes xmlns:a="http://schemas.openxmlformats.org/drawingml/2006/main" xmlns:r="http://schemas.openxmlformats.org/officeDocument/2006/relationships" xmlns:mc="http://schemas.openxmlformats.org/markup-compatibility/2006" xmlns:mv="urn:schemas-microsoft-com:mac:vml" xmlns:p="http://schemas.openxmlformats.org/presentationml/2006/main" xmlns:c="http://schemas.openxmlformats.org/drawingml/2006/chart" xmlns:dgm="http://schemas.openxmlformats.org/drawingml/2006/diagram" xmlns:o="urn:schemas-microsoft-com:office:office" xmlns:v="urn:schemas-microsoft-com:vml" xmlns:pvml="urn:schemas-microsoft-com:office:powerpoint" xmlns:com="http://schemas.openxmlformats.org/drawingml/2006/compatibility" xmlns:p14="http://schemas.microsoft.com/office/powerpoint/2010/main" xmlns:p15="http://schemas.microsoft.com/office/powerpoint/2012/main" xmlns:ahyp="http://schemas.microsoft.com/office/drawing/2018/hyperlinkcolor" showMasterPhAnim="0" showMasterSp="0">
+<p:notes xmlns:a="http://schemas.openxmlformats.org/drawingml/2006/main" xmlns:r="http://schemas.openxmlformats.org/officeDocument/2006/relationships" xmlns:p="http://schemas.openxmlformats.org/presentationml/2006/main" showMasterSp="0" showMasterPhAnim="0">
   <p:cSld>
     <p:spTree>
       <p:nvGrpSpPr>
-        <p:cNvPr id="76" name="Shape 76"/>
+        <p:cNvPr id="1" name="Shape 76"/>
         <p:cNvGrpSpPr/>
         <p:nvPr/>
       </p:nvGrpSpPr>
@@ -923,9 +948,11 @@
       <p:sp>
         <p:nvSpPr>
           <p:cNvPr id="77" name="Google Shape;77;g2948e9aac2c_0_8:notes"/>
-          <p:cNvSpPr/>
+          <p:cNvSpPr>
+            <a:spLocks noGrp="1" noRot="1" noChangeAspect="1"/>
+          </p:cNvSpPr>
           <p:nvPr>
-            <p:ph idx="2" type="sldImg"/>
+            <p:ph type="sldImg" idx="2"/>
           </p:nvPr>
         </p:nvSpPr>
         <p:spPr>
@@ -934,9 +961,13 @@
             <a:ext cx="6096000" cy="3429000"/>
           </a:xfrm>
           <a:custGeom>
-            <a:rect b="b" l="l" r="r" t="t"/>
+            <a:avLst/>
+            <a:gdLst/>
+            <a:ahLst/>
+            <a:cxnLst/>
+            <a:rect l="l" t="t" r="r" b="b"/>
             <a:pathLst>
-              <a:path extrusionOk="0" h="120000" w="120000">
+              <a:path w="120000" h="120000" extrusionOk="0">
                 <a:moveTo>
                   <a:pt x="0" y="0"/>
                 </a:moveTo>
@@ -958,9 +989,11 @@
       <p:sp>
         <p:nvSpPr>
           <p:cNvPr id="78" name="Google Shape;78;g2948e9aac2c_0_8:notes"/>
-          <p:cNvSpPr txBox="1"/>
+          <p:cNvSpPr txBox="1">
+            <a:spLocks noGrp="1"/>
+          </p:cNvSpPr>
           <p:nvPr>
-            <p:ph idx="1" type="body"/>
+            <p:ph type="body" idx="1"/>
           </p:nvPr>
         </p:nvSpPr>
         <p:spPr>
@@ -973,12 +1006,12 @@
           </a:prstGeom>
         </p:spPr>
         <p:txBody>
-          <a:bodyPr anchorCtr="0" anchor="t" bIns="91425" lIns="91425" spcFirstLastPara="1" rIns="91425" wrap="square" tIns="91425">
+          <a:bodyPr spcFirstLastPara="1" wrap="square" lIns="91425" tIns="91425" rIns="91425" bIns="91425" anchor="t" anchorCtr="0">
             <a:noAutofit/>
           </a:bodyPr>
           <a:lstStyle/>
           <a:p>
-            <a:pPr indent="0" lvl="0" marL="0" rtl="0" algn="l">
+            <a:pPr marL="0" lvl="0" indent="0" algn="l" rtl="0">
               <a:spcBef>
                 <a:spcPts val="0"/>
               </a:spcBef>
@@ -987,9 +1020,6 @@
               </a:spcAft>
               <a:buNone/>
             </a:pPr>
-            <a:r>
-              <a:t/>
-            </a:r>
             <a:endParaRPr/>
           </a:p>
         </p:txBody>
@@ -1003,11 +1033,11 @@
 </file>
 
 <file path=ppt/notesSlides/notesSlide4.xml><?xml version="1.0" encoding="utf-8"?>
-<p:notes xmlns:a="http://schemas.openxmlformats.org/drawingml/2006/main" xmlns:r="http://schemas.openxmlformats.org/officeDocument/2006/relationships" xmlns:mc="http://schemas.openxmlformats.org/markup-compatibility/2006" xmlns:mv="urn:schemas-microsoft-com:mac:vml" xmlns:p="http://schemas.openxmlformats.org/presentationml/2006/main" xmlns:c="http://schemas.openxmlformats.org/drawingml/2006/chart" xmlns:dgm="http://schemas.openxmlformats.org/drawingml/2006/diagram" xmlns:o="urn:schemas-microsoft-com:office:office" xmlns:v="urn:schemas-microsoft-com:vml" xmlns:pvml="urn:schemas-microsoft-com:office:powerpoint" xmlns:com="http://schemas.openxmlformats.org/drawingml/2006/compatibility" xmlns:p14="http://schemas.microsoft.com/office/powerpoint/2010/main" xmlns:p15="http://schemas.microsoft.com/office/powerpoint/2012/main" xmlns:ahyp="http://schemas.microsoft.com/office/drawing/2018/hyperlinkcolor" showMasterPhAnim="0" showMasterSp="0">
+<p:notes xmlns:a="http://schemas.openxmlformats.org/drawingml/2006/main" xmlns:r="http://schemas.openxmlformats.org/officeDocument/2006/relationships" xmlns:p="http://schemas.openxmlformats.org/presentationml/2006/main" showMasterSp="0" showMasterPhAnim="0">
   <p:cSld>
     <p:spTree>
       <p:nvGrpSpPr>
-        <p:cNvPr id="82" name="Shape 82"/>
+        <p:cNvPr id="1" name="Shape 82"/>
         <p:cNvGrpSpPr/>
         <p:nvPr/>
       </p:nvGrpSpPr>
@@ -1022,9 +1052,11 @@
       <p:sp>
         <p:nvSpPr>
           <p:cNvPr id="83" name="Google Shape;83;g2948e9aac2c_0_19:notes"/>
-          <p:cNvSpPr/>
+          <p:cNvSpPr>
+            <a:spLocks noGrp="1" noRot="1" noChangeAspect="1"/>
+          </p:cNvSpPr>
           <p:nvPr>
-            <p:ph idx="2" type="sldImg"/>
+            <p:ph type="sldImg" idx="2"/>
           </p:nvPr>
         </p:nvSpPr>
         <p:spPr>
@@ -1033,9 +1065,13 @@
             <a:ext cx="6096000" cy="3429000"/>
           </a:xfrm>
           <a:custGeom>
-            <a:rect b="b" l="l" r="r" t="t"/>
+            <a:avLst/>
+            <a:gdLst/>
+            <a:ahLst/>
+            <a:cxnLst/>
+            <a:rect l="l" t="t" r="r" b="b"/>
             <a:pathLst>
-              <a:path extrusionOk="0" h="120000" w="120000">
+              <a:path w="120000" h="120000" extrusionOk="0">
                 <a:moveTo>
                   <a:pt x="0" y="0"/>
                 </a:moveTo>
@@ -1057,9 +1093,11 @@
       <p:sp>
         <p:nvSpPr>
           <p:cNvPr id="84" name="Google Shape;84;g2948e9aac2c_0_19:notes"/>
-          <p:cNvSpPr txBox="1"/>
+          <p:cNvSpPr txBox="1">
+            <a:spLocks noGrp="1"/>
+          </p:cNvSpPr>
           <p:nvPr>
-            <p:ph idx="1" type="body"/>
+            <p:ph type="body" idx="1"/>
           </p:nvPr>
         </p:nvSpPr>
         <p:spPr>
@@ -1072,12 +1110,12 @@
           </a:prstGeom>
         </p:spPr>
         <p:txBody>
-          <a:bodyPr anchorCtr="0" anchor="t" bIns="91425" lIns="91425" spcFirstLastPara="1" rIns="91425" wrap="square" tIns="91425">
+          <a:bodyPr spcFirstLastPara="1" wrap="square" lIns="91425" tIns="91425" rIns="91425" bIns="91425" anchor="t" anchorCtr="0">
             <a:noAutofit/>
           </a:bodyPr>
           <a:lstStyle/>
           <a:p>
-            <a:pPr indent="0" lvl="0" marL="0" rtl="0" algn="l">
+            <a:pPr marL="0" lvl="0" indent="0" algn="l" rtl="0">
               <a:spcBef>
                 <a:spcPts val="0"/>
               </a:spcBef>
@@ -1086,9 +1124,6 @@
               </a:spcAft>
               <a:buNone/>
             </a:pPr>
-            <a:r>
-              <a:t/>
-            </a:r>
             <a:endParaRPr/>
           </a:p>
         </p:txBody>
@@ -1102,11 +1137,11 @@
 </file>
 
 <file path=ppt/slideLayouts/slideLayout1.xml><?xml version="1.0" encoding="utf-8"?>
-<p:sldLayout xmlns:a="http://schemas.openxmlformats.org/drawingml/2006/main" xmlns:r="http://schemas.openxmlformats.org/officeDocument/2006/relationships" xmlns:mc="http://schemas.openxmlformats.org/markup-compatibility/2006" xmlns:mv="urn:schemas-microsoft-com:mac:vml" xmlns:p="http://schemas.openxmlformats.org/presentationml/2006/main" xmlns:c="http://schemas.openxmlformats.org/drawingml/2006/chart" xmlns:dgm="http://schemas.openxmlformats.org/drawingml/2006/diagram" xmlns:o="urn:schemas-microsoft-com:office:office" xmlns:v="urn:schemas-microsoft-com:vml" xmlns:pvml="urn:schemas-microsoft-com:office:powerpoint" xmlns:com="http://schemas.openxmlformats.org/drawingml/2006/compatibility" xmlns:p14="http://schemas.microsoft.com/office/powerpoint/2010/main" xmlns:p15="http://schemas.microsoft.com/office/powerpoint/2012/main" xmlns:ahyp="http://schemas.microsoft.com/office/drawing/2018/hyperlinkcolor" matchingName="Title slide" type="title">
+<p:sldLayout xmlns:a="http://schemas.openxmlformats.org/drawingml/2006/main" xmlns:r="http://schemas.openxmlformats.org/officeDocument/2006/relationships" xmlns:p="http://schemas.openxmlformats.org/presentationml/2006/main" matchingName="Title slide" type="title">
   <p:cSld name="TITLE">
     <p:spTree>
       <p:nvGrpSpPr>
-        <p:cNvPr id="9" name="Shape 9"/>
+        <p:cNvPr id="1" name="Shape 9"/>
         <p:cNvGrpSpPr/>
         <p:nvPr/>
       </p:nvGrpSpPr>
@@ -1154,12 +1189,12 @@
             </a:ln>
           </p:spPr>
           <p:txBody>
-            <a:bodyPr anchorCtr="0" anchor="ctr" bIns="91425" lIns="91425" spcFirstLastPara="1" rIns="91425" wrap="square" tIns="91425">
+            <a:bodyPr spcFirstLastPara="1" wrap="square" lIns="91425" tIns="91425" rIns="91425" bIns="91425" anchor="ctr" anchorCtr="0">
               <a:noAutofit/>
             </a:bodyPr>
             <a:lstStyle/>
             <a:p>
-              <a:pPr indent="0" lvl="0" marL="0" rtl="0" algn="l">
+              <a:pPr marL="0" lvl="0" indent="0" algn="l" rtl="0">
                 <a:spcBef>
                   <a:spcPts val="0"/>
                 </a:spcBef>
@@ -1168,9 +1203,6 @@
                 </a:spcAft>
                 <a:buNone/>
               </a:pPr>
-              <a:r>
-                <a:t/>
-              </a:r>
               <a:endParaRPr/>
             </a:p>
           </p:txBody>
@@ -1197,12 +1229,12 @@
             </a:ln>
           </p:spPr>
           <p:txBody>
-            <a:bodyPr anchorCtr="0" anchor="ctr" bIns="91425" lIns="91425" spcFirstLastPara="1" rIns="91425" wrap="square" tIns="91425">
+            <a:bodyPr spcFirstLastPara="1" wrap="square" lIns="91425" tIns="91425" rIns="91425" bIns="91425" anchor="ctr" anchorCtr="0">
               <a:noAutofit/>
             </a:bodyPr>
             <a:lstStyle/>
             <a:p>
-              <a:pPr indent="0" lvl="0" marL="0" rtl="0" algn="l">
+              <a:pPr marL="0" lvl="0" indent="0" algn="l" rtl="0">
                 <a:spcBef>
                   <a:spcPts val="0"/>
                 </a:spcBef>
@@ -1211,9 +1243,6 @@
                 </a:spcAft>
                 <a:buNone/>
               </a:pPr>
-              <a:r>
-                <a:t/>
-              </a:r>
               <a:endParaRPr/>
             </a:p>
           </p:txBody>
@@ -1240,12 +1269,12 @@
             </a:ln>
           </p:spPr>
           <p:txBody>
-            <a:bodyPr anchorCtr="0" anchor="ctr" bIns="91425" lIns="91425" spcFirstLastPara="1" rIns="91425" wrap="square" tIns="91425">
+            <a:bodyPr spcFirstLastPara="1" wrap="square" lIns="91425" tIns="91425" rIns="91425" bIns="91425" anchor="ctr" anchorCtr="0">
               <a:noAutofit/>
             </a:bodyPr>
             <a:lstStyle/>
             <a:p>
-              <a:pPr indent="0" lvl="0" marL="0" rtl="0" algn="l">
+              <a:pPr marL="0" lvl="0" indent="0" algn="l" rtl="0">
                 <a:spcBef>
                   <a:spcPts val="0"/>
                 </a:spcBef>
@@ -1254,9 +1283,6 @@
                 </a:spcAft>
                 <a:buNone/>
               </a:pPr>
-              <a:r>
-                <a:t/>
-              </a:r>
               <a:endParaRPr/>
             </a:p>
           </p:txBody>
@@ -1265,7 +1291,9 @@
       <p:sp>
         <p:nvSpPr>
           <p:cNvPr id="14" name="Google Shape;14;p2"/>
-          <p:cNvSpPr txBox="1"/>
+          <p:cNvSpPr txBox="1">
+            <a:spLocks noGrp="1"/>
+          </p:cNvSpPr>
           <p:nvPr>
             <p:ph type="ctrTitle"/>
           </p:nvPr>
@@ -1280,7 +1308,7 @@
           </a:prstGeom>
         </p:spPr>
         <p:txBody>
-          <a:bodyPr anchorCtr="0" anchor="b" bIns="91425" lIns="91425" spcFirstLastPara="1" rIns="91425" wrap="square" tIns="91425">
+          <a:bodyPr spcFirstLastPara="1" wrap="square" lIns="91425" tIns="91425" rIns="91425" bIns="91425" anchor="b" anchorCtr="0">
             <a:normAutofit/>
           </a:bodyPr>
           <a:lstStyle>
@@ -1384,15 +1412,19 @@
               <a:defRPr sz="4800"/>
             </a:lvl9pPr>
           </a:lstStyle>
-          <a:p/>
+          <a:p>
+            <a:endParaRPr/>
+          </a:p>
         </p:txBody>
       </p:sp>
       <p:sp>
         <p:nvSpPr>
           <p:cNvPr id="15" name="Google Shape;15;p2"/>
-          <p:cNvSpPr txBox="1"/>
+          <p:cNvSpPr txBox="1">
+            <a:spLocks noGrp="1"/>
+          </p:cNvSpPr>
           <p:nvPr>
-            <p:ph idx="1" type="subTitle"/>
+            <p:ph type="subTitle" idx="1"/>
           </p:nvPr>
         </p:nvSpPr>
         <p:spPr>
@@ -1405,7 +1437,7 @@
           </a:prstGeom>
         </p:spPr>
         <p:txBody>
-          <a:bodyPr anchorCtr="0" anchor="t" bIns="91425" lIns="91425" spcFirstLastPara="1" rIns="91425" wrap="square" tIns="91425">
+          <a:bodyPr spcFirstLastPara="1" wrap="square" lIns="91425" tIns="91425" rIns="91425" bIns="91425" anchor="t" anchorCtr="0">
             <a:normAutofit/>
           </a:bodyPr>
           <a:lstStyle>
@@ -1536,15 +1568,19 @@
               <a:defRPr sz="2100"/>
             </a:lvl9pPr>
           </a:lstStyle>
-          <a:p/>
+          <a:p>
+            <a:endParaRPr/>
+          </a:p>
         </p:txBody>
       </p:sp>
       <p:sp>
         <p:nvSpPr>
           <p:cNvPr id="16" name="Google Shape;16;p2"/>
-          <p:cNvSpPr txBox="1"/>
+          <p:cNvSpPr txBox="1">
+            <a:spLocks noGrp="1"/>
+          </p:cNvSpPr>
           <p:nvPr>
-            <p:ph idx="12" type="sldNum"/>
+            <p:ph type="sldNum" idx="12"/>
           </p:nvPr>
         </p:nvSpPr>
         <p:spPr>
@@ -1557,7 +1593,7 @@
           </a:prstGeom>
         </p:spPr>
         <p:txBody>
-          <a:bodyPr anchorCtr="0" anchor="ctr" bIns="91425" lIns="91425" spcFirstLastPara="1" rIns="91425" wrap="square" tIns="91425">
+          <a:bodyPr spcFirstLastPara="1" wrap="square" lIns="91425" tIns="91425" rIns="91425" bIns="91425" anchor="ctr" anchorCtr="0">
             <a:normAutofit/>
           </a:bodyPr>
           <a:lstStyle>
@@ -1599,7 +1635,7 @@
             </a:lvl9pPr>
           </a:lstStyle>
           <a:p>
-            <a:pPr indent="0" lvl="0" marL="0" rtl="0" algn="r">
+            <a:pPr marL="0" lvl="0" indent="0" algn="r" rtl="0">
               <a:spcBef>
                 <a:spcPts val="0"/>
               </a:spcBef>
@@ -1610,7 +1646,7 @@
             </a:pPr>
             <a:fld id="{00000000-1234-1234-1234-123412341234}" type="slidenum">
               <a:rPr lang="es"/>
-              <a:t>‹#›</a:t>
+              <a:t>‹Nº›</a:t>
             </a:fld>
             <a:endParaRPr/>
           </a:p>
@@ -1625,11 +1661,11 @@
 </file>
 
 <file path=ppt/slideLayouts/slideLayout10.xml><?xml version="1.0" encoding="utf-8"?>
-<p:sldLayout xmlns:a="http://schemas.openxmlformats.org/drawingml/2006/main" xmlns:r="http://schemas.openxmlformats.org/officeDocument/2006/relationships" xmlns:mc="http://schemas.openxmlformats.org/markup-compatibility/2006" xmlns:mv="urn:schemas-microsoft-com:mac:vml" xmlns:p="http://schemas.openxmlformats.org/presentationml/2006/main" xmlns:c="http://schemas.openxmlformats.org/drawingml/2006/chart" xmlns:dgm="http://schemas.openxmlformats.org/drawingml/2006/diagram" xmlns:o="urn:schemas-microsoft-com:office:office" xmlns:v="urn:schemas-microsoft-com:vml" xmlns:pvml="urn:schemas-microsoft-com:office:powerpoint" xmlns:com="http://schemas.openxmlformats.org/drawingml/2006/compatibility" xmlns:p14="http://schemas.microsoft.com/office/powerpoint/2010/main" xmlns:p15="http://schemas.microsoft.com/office/powerpoint/2012/main" xmlns:ahyp="http://schemas.microsoft.com/office/drawing/2018/hyperlinkcolor" matchingName="Big number">
+<p:sldLayout xmlns:a="http://schemas.openxmlformats.org/drawingml/2006/main" xmlns:r="http://schemas.openxmlformats.org/officeDocument/2006/relationships" xmlns:p="http://schemas.openxmlformats.org/presentationml/2006/main" matchingName="Big number">
   <p:cSld name="BIG_NUMBER">
     <p:spTree>
       <p:nvGrpSpPr>
-        <p:cNvPr id="49" name="Shape 49"/>
+        <p:cNvPr id="1" name="Shape 49"/>
         <p:cNvGrpSpPr/>
         <p:nvPr/>
       </p:nvGrpSpPr>
@@ -1644,9 +1680,11 @@
       <p:sp>
         <p:nvSpPr>
           <p:cNvPr id="50" name="Google Shape;50;p11"/>
-          <p:cNvSpPr txBox="1"/>
+          <p:cNvSpPr txBox="1">
+            <a:spLocks noGrp="1"/>
+          </p:cNvSpPr>
           <p:nvPr>
-            <p:ph hasCustomPrompt="1" type="title"/>
+            <p:ph type="title" hasCustomPrompt="1"/>
           </p:nvPr>
         </p:nvSpPr>
         <p:spPr>
@@ -1659,7 +1697,7 @@
           </a:prstGeom>
         </p:spPr>
         <p:txBody>
-          <a:bodyPr anchorCtr="0" anchor="b" bIns="91425" lIns="91425" spcFirstLastPara="1" rIns="91425" wrap="square" tIns="91425">
+          <a:bodyPr spcFirstLastPara="1" wrap="square" lIns="91425" tIns="91425" rIns="91425" bIns="91425" anchor="b" anchorCtr="0">
             <a:normAutofit/>
           </a:bodyPr>
           <a:lstStyle>
@@ -1773,9 +1811,11 @@
       <p:sp>
         <p:nvSpPr>
           <p:cNvPr id="51" name="Google Shape;51;p11"/>
-          <p:cNvSpPr txBox="1"/>
+          <p:cNvSpPr txBox="1">
+            <a:spLocks noGrp="1"/>
+          </p:cNvSpPr>
           <p:nvPr>
-            <p:ph idx="1" type="body"/>
+            <p:ph type="body" idx="1"/>
           </p:nvPr>
         </p:nvSpPr>
         <p:spPr>
@@ -1788,11 +1828,11 @@
           </a:prstGeom>
         </p:spPr>
         <p:txBody>
-          <a:bodyPr anchorCtr="0" anchor="t" bIns="91425" lIns="91425" spcFirstLastPara="1" rIns="91425" wrap="square" tIns="91425">
+          <a:bodyPr spcFirstLastPara="1" wrap="square" lIns="91425" tIns="91425" rIns="91425" bIns="91425" anchor="t" anchorCtr="0">
             <a:normAutofit/>
           </a:bodyPr>
           <a:lstStyle>
-            <a:lvl1pPr indent="-355600" lvl="0" marL="457200" algn="ctr">
+            <a:lvl1pPr marL="457200" lvl="0" indent="-355600" algn="ctr">
               <a:spcBef>
                 <a:spcPts val="0"/>
               </a:spcBef>
@@ -1803,7 +1843,7 @@
               <a:buChar char="●"/>
               <a:defRPr/>
             </a:lvl1pPr>
-            <a:lvl2pPr indent="-330200" lvl="1" marL="914400" algn="ctr">
+            <a:lvl2pPr marL="914400" lvl="1" indent="-330200" algn="ctr">
               <a:spcBef>
                 <a:spcPts val="0"/>
               </a:spcBef>
@@ -1814,7 +1854,7 @@
               <a:buChar char="○"/>
               <a:defRPr/>
             </a:lvl2pPr>
-            <a:lvl3pPr indent="-330200" lvl="2" marL="1371600" algn="ctr">
+            <a:lvl3pPr marL="1371600" lvl="2" indent="-330200" algn="ctr">
               <a:spcBef>
                 <a:spcPts val="0"/>
               </a:spcBef>
@@ -1825,7 +1865,7 @@
               <a:buChar char="■"/>
               <a:defRPr/>
             </a:lvl3pPr>
-            <a:lvl4pPr indent="-330200" lvl="3" marL="1828800" algn="ctr">
+            <a:lvl4pPr marL="1828800" lvl="3" indent="-330200" algn="ctr">
               <a:spcBef>
                 <a:spcPts val="0"/>
               </a:spcBef>
@@ -1836,7 +1876,7 @@
               <a:buChar char="●"/>
               <a:defRPr/>
             </a:lvl4pPr>
-            <a:lvl5pPr indent="-330200" lvl="4" marL="2286000" algn="ctr">
+            <a:lvl5pPr marL="2286000" lvl="4" indent="-330200" algn="ctr">
               <a:spcBef>
                 <a:spcPts val="0"/>
               </a:spcBef>
@@ -1847,7 +1887,7 @@
               <a:buChar char="○"/>
               <a:defRPr/>
             </a:lvl5pPr>
-            <a:lvl6pPr indent="-330200" lvl="5" marL="2743200" algn="ctr">
+            <a:lvl6pPr marL="2743200" lvl="5" indent="-330200" algn="ctr">
               <a:spcBef>
                 <a:spcPts val="0"/>
               </a:spcBef>
@@ -1858,7 +1898,7 @@
               <a:buChar char="■"/>
               <a:defRPr/>
             </a:lvl6pPr>
-            <a:lvl7pPr indent="-330200" lvl="6" marL="3200400" algn="ctr">
+            <a:lvl7pPr marL="3200400" lvl="6" indent="-330200" algn="ctr">
               <a:spcBef>
                 <a:spcPts val="0"/>
               </a:spcBef>
@@ -1869,7 +1909,7 @@
               <a:buChar char="●"/>
               <a:defRPr/>
             </a:lvl7pPr>
-            <a:lvl8pPr indent="-330200" lvl="7" marL="3657600" algn="ctr">
+            <a:lvl8pPr marL="3657600" lvl="7" indent="-330200" algn="ctr">
               <a:spcBef>
                 <a:spcPts val="0"/>
               </a:spcBef>
@@ -1880,7 +1920,7 @@
               <a:buChar char="○"/>
               <a:defRPr/>
             </a:lvl8pPr>
-            <a:lvl9pPr indent="-330200" lvl="8" marL="4114800" algn="ctr">
+            <a:lvl9pPr marL="4114800" lvl="8" indent="-330200" algn="ctr">
               <a:spcBef>
                 <a:spcPts val="0"/>
               </a:spcBef>
@@ -1892,15 +1932,19 @@
               <a:defRPr/>
             </a:lvl9pPr>
           </a:lstStyle>
-          <a:p/>
+          <a:p>
+            <a:endParaRPr/>
+          </a:p>
         </p:txBody>
       </p:sp>
       <p:sp>
         <p:nvSpPr>
           <p:cNvPr id="52" name="Google Shape;52;p11"/>
-          <p:cNvSpPr txBox="1"/>
+          <p:cNvSpPr txBox="1">
+            <a:spLocks noGrp="1"/>
+          </p:cNvSpPr>
           <p:nvPr>
-            <p:ph idx="12" type="sldNum"/>
+            <p:ph type="sldNum" idx="12"/>
           </p:nvPr>
         </p:nvSpPr>
         <p:spPr>
@@ -1913,7 +1957,7 @@
           </a:prstGeom>
         </p:spPr>
         <p:txBody>
-          <a:bodyPr anchorCtr="0" anchor="ctr" bIns="91425" lIns="91425" spcFirstLastPara="1" rIns="91425" wrap="square" tIns="91425">
+          <a:bodyPr spcFirstLastPara="1" wrap="square" lIns="91425" tIns="91425" rIns="91425" bIns="91425" anchor="ctr" anchorCtr="0">
             <a:normAutofit/>
           </a:bodyPr>
           <a:lstStyle>
@@ -1955,7 +1999,7 @@
             </a:lvl9pPr>
           </a:lstStyle>
           <a:p>
-            <a:pPr indent="0" lvl="0" marL="0" rtl="0" algn="r">
+            <a:pPr marL="0" lvl="0" indent="0" algn="r" rtl="0">
               <a:spcBef>
                 <a:spcPts val="0"/>
               </a:spcBef>
@@ -1966,7 +2010,7 @@
             </a:pPr>
             <a:fld id="{00000000-1234-1234-1234-123412341234}" type="slidenum">
               <a:rPr lang="es"/>
-              <a:t>‹#›</a:t>
+              <a:t>‹Nº›</a:t>
             </a:fld>
             <a:endParaRPr/>
           </a:p>
@@ -1981,11 +2025,11 @@
 </file>
 
 <file path=ppt/slideLayouts/slideLayout11.xml><?xml version="1.0" encoding="utf-8"?>
-<p:sldLayout xmlns:a="http://schemas.openxmlformats.org/drawingml/2006/main" xmlns:r="http://schemas.openxmlformats.org/officeDocument/2006/relationships" xmlns:mc="http://schemas.openxmlformats.org/markup-compatibility/2006" xmlns:mv="urn:schemas-microsoft-com:mac:vml" xmlns:p="http://schemas.openxmlformats.org/presentationml/2006/main" xmlns:c="http://schemas.openxmlformats.org/drawingml/2006/chart" xmlns:dgm="http://schemas.openxmlformats.org/drawingml/2006/diagram" xmlns:o="urn:schemas-microsoft-com:office:office" xmlns:v="urn:schemas-microsoft-com:vml" xmlns:pvml="urn:schemas-microsoft-com:office:powerpoint" xmlns:com="http://schemas.openxmlformats.org/drawingml/2006/compatibility" xmlns:p14="http://schemas.microsoft.com/office/powerpoint/2010/main" xmlns:p15="http://schemas.microsoft.com/office/powerpoint/2012/main" xmlns:ahyp="http://schemas.microsoft.com/office/drawing/2018/hyperlinkcolor" matchingName="Blank" type="blank">
+<p:sldLayout xmlns:a="http://schemas.openxmlformats.org/drawingml/2006/main" xmlns:r="http://schemas.openxmlformats.org/officeDocument/2006/relationships" xmlns:p="http://schemas.openxmlformats.org/presentationml/2006/main" matchingName="Blank" type="blank">
   <p:cSld name="BLANK">
     <p:spTree>
       <p:nvGrpSpPr>
-        <p:cNvPr id="53" name="Shape 53"/>
+        <p:cNvPr id="1" name="Shape 53"/>
         <p:cNvGrpSpPr/>
         <p:nvPr/>
       </p:nvGrpSpPr>
@@ -2000,9 +2044,11 @@
       <p:sp>
         <p:nvSpPr>
           <p:cNvPr id="54" name="Google Shape;54;p12"/>
-          <p:cNvSpPr txBox="1"/>
+          <p:cNvSpPr txBox="1">
+            <a:spLocks noGrp="1"/>
+          </p:cNvSpPr>
           <p:nvPr>
-            <p:ph idx="12" type="sldNum"/>
+            <p:ph type="sldNum" idx="12"/>
           </p:nvPr>
         </p:nvSpPr>
         <p:spPr>
@@ -2015,7 +2061,7 @@
           </a:prstGeom>
         </p:spPr>
         <p:txBody>
-          <a:bodyPr anchorCtr="0" anchor="ctr" bIns="91425" lIns="91425" spcFirstLastPara="1" rIns="91425" wrap="square" tIns="91425">
+          <a:bodyPr spcFirstLastPara="1" wrap="square" lIns="91425" tIns="91425" rIns="91425" bIns="91425" anchor="ctr" anchorCtr="0">
             <a:normAutofit/>
           </a:bodyPr>
           <a:lstStyle>
@@ -2057,7 +2103,7 @@
             </a:lvl9pPr>
           </a:lstStyle>
           <a:p>
-            <a:pPr indent="0" lvl="0" marL="0" rtl="0" algn="r">
+            <a:pPr marL="0" lvl="0" indent="0" algn="r" rtl="0">
               <a:spcBef>
                 <a:spcPts val="0"/>
               </a:spcBef>
@@ -2068,7 +2114,7 @@
             </a:pPr>
             <a:fld id="{00000000-1234-1234-1234-123412341234}" type="slidenum">
               <a:rPr lang="es"/>
-              <a:t>‹#›</a:t>
+              <a:t>‹Nº›</a:t>
             </a:fld>
             <a:endParaRPr/>
           </a:p>
@@ -2083,11 +2129,11 @@
 </file>
 
 <file path=ppt/slideLayouts/slideLayout2.xml><?xml version="1.0" encoding="utf-8"?>
-<p:sldLayout xmlns:a="http://schemas.openxmlformats.org/drawingml/2006/main" xmlns:r="http://schemas.openxmlformats.org/officeDocument/2006/relationships" xmlns:mc="http://schemas.openxmlformats.org/markup-compatibility/2006" xmlns:mv="urn:schemas-microsoft-com:mac:vml" xmlns:p="http://schemas.openxmlformats.org/presentationml/2006/main" xmlns:c="http://schemas.openxmlformats.org/drawingml/2006/chart" xmlns:dgm="http://schemas.openxmlformats.org/drawingml/2006/diagram" xmlns:o="urn:schemas-microsoft-com:office:office" xmlns:v="urn:schemas-microsoft-com:vml" xmlns:pvml="urn:schemas-microsoft-com:office:powerpoint" xmlns:com="http://schemas.openxmlformats.org/drawingml/2006/compatibility" xmlns:p14="http://schemas.microsoft.com/office/powerpoint/2010/main" xmlns:p15="http://schemas.microsoft.com/office/powerpoint/2012/main" xmlns:ahyp="http://schemas.microsoft.com/office/drawing/2018/hyperlinkcolor" matchingName="Section header" type="secHead">
+<p:sldLayout xmlns:a="http://schemas.openxmlformats.org/drawingml/2006/main" xmlns:r="http://schemas.openxmlformats.org/officeDocument/2006/relationships" xmlns:p="http://schemas.openxmlformats.org/presentationml/2006/main" matchingName="Section header" type="secHead">
   <p:cSld name="SECTION_HEADER">
     <p:spTree>
       <p:nvGrpSpPr>
-        <p:cNvPr id="17" name="Shape 17"/>
+        <p:cNvPr id="1" name="Shape 17"/>
         <p:cNvGrpSpPr/>
         <p:nvPr/>
       </p:nvGrpSpPr>
@@ -2102,7 +2148,9 @@
       <p:sp>
         <p:nvSpPr>
           <p:cNvPr id="18" name="Google Shape;18;p3"/>
-          <p:cNvSpPr txBox="1"/>
+          <p:cNvSpPr txBox="1">
+            <a:spLocks noGrp="1"/>
+          </p:cNvSpPr>
           <p:nvPr>
             <p:ph type="title"/>
           </p:nvPr>
@@ -2117,7 +2165,7 @@
           </a:prstGeom>
         </p:spPr>
         <p:txBody>
-          <a:bodyPr anchorCtr="0" anchor="ctr" bIns="91425" lIns="91425" spcFirstLastPara="1" rIns="91425" wrap="square" tIns="91425">
+          <a:bodyPr spcFirstLastPara="1" wrap="square" lIns="91425" tIns="91425" rIns="91425" bIns="91425" anchor="ctr" anchorCtr="0">
             <a:normAutofit/>
           </a:bodyPr>
           <a:lstStyle>
@@ -2221,15 +2269,19 @@
               <a:defRPr sz="3600"/>
             </a:lvl9pPr>
           </a:lstStyle>
-          <a:p/>
+          <a:p>
+            <a:endParaRPr/>
+          </a:p>
         </p:txBody>
       </p:sp>
       <p:sp>
         <p:nvSpPr>
           <p:cNvPr id="19" name="Google Shape;19;p3"/>
-          <p:cNvSpPr txBox="1"/>
+          <p:cNvSpPr txBox="1">
+            <a:spLocks noGrp="1"/>
+          </p:cNvSpPr>
           <p:nvPr>
-            <p:ph idx="12" type="sldNum"/>
+            <p:ph type="sldNum" idx="12"/>
           </p:nvPr>
         </p:nvSpPr>
         <p:spPr>
@@ -2242,7 +2294,7 @@
           </a:prstGeom>
         </p:spPr>
         <p:txBody>
-          <a:bodyPr anchorCtr="0" anchor="ctr" bIns="91425" lIns="91425" spcFirstLastPara="1" rIns="91425" wrap="square" tIns="91425">
+          <a:bodyPr spcFirstLastPara="1" wrap="square" lIns="91425" tIns="91425" rIns="91425" bIns="91425" anchor="ctr" anchorCtr="0">
             <a:normAutofit/>
           </a:bodyPr>
           <a:lstStyle>
@@ -2284,7 +2336,7 @@
             </a:lvl9pPr>
           </a:lstStyle>
           <a:p>
-            <a:pPr indent="0" lvl="0" marL="0" rtl="0" algn="r">
+            <a:pPr marL="0" lvl="0" indent="0" algn="r" rtl="0">
               <a:spcBef>
                 <a:spcPts val="0"/>
               </a:spcBef>
@@ -2295,7 +2347,7 @@
             </a:pPr>
             <a:fld id="{00000000-1234-1234-1234-123412341234}" type="slidenum">
               <a:rPr lang="es"/>
-              <a:t>‹#›</a:t>
+              <a:t>‹Nº›</a:t>
             </a:fld>
             <a:endParaRPr/>
           </a:p>
@@ -2310,11 +2362,11 @@
 </file>
 
 <file path=ppt/slideLayouts/slideLayout3.xml><?xml version="1.0" encoding="utf-8"?>
-<p:sldLayout xmlns:a="http://schemas.openxmlformats.org/drawingml/2006/main" xmlns:r="http://schemas.openxmlformats.org/officeDocument/2006/relationships" xmlns:mc="http://schemas.openxmlformats.org/markup-compatibility/2006" xmlns:mv="urn:schemas-microsoft-com:mac:vml" xmlns:p="http://schemas.openxmlformats.org/presentationml/2006/main" xmlns:c="http://schemas.openxmlformats.org/drawingml/2006/chart" xmlns:dgm="http://schemas.openxmlformats.org/drawingml/2006/diagram" xmlns:o="urn:schemas-microsoft-com:office:office" xmlns:v="urn:schemas-microsoft-com:vml" xmlns:pvml="urn:schemas-microsoft-com:office:powerpoint" xmlns:com="http://schemas.openxmlformats.org/drawingml/2006/compatibility" xmlns:p14="http://schemas.microsoft.com/office/powerpoint/2010/main" xmlns:p15="http://schemas.microsoft.com/office/powerpoint/2012/main" xmlns:ahyp="http://schemas.microsoft.com/office/drawing/2018/hyperlinkcolor" matchingName="Title and body" type="tx">
+<p:sldLayout xmlns:a="http://schemas.openxmlformats.org/drawingml/2006/main" xmlns:r="http://schemas.openxmlformats.org/officeDocument/2006/relationships" xmlns:p="http://schemas.openxmlformats.org/presentationml/2006/main" matchingName="Title and body" type="tx">
   <p:cSld name="TITLE_AND_BODY">
     <p:spTree>
       <p:nvGrpSpPr>
-        <p:cNvPr id="20" name="Shape 20"/>
+        <p:cNvPr id="1" name="Shape 20"/>
         <p:cNvGrpSpPr/>
         <p:nvPr/>
       </p:nvGrpSpPr>
@@ -2329,7 +2381,9 @@
       <p:sp>
         <p:nvSpPr>
           <p:cNvPr id="21" name="Google Shape;21;p4"/>
-          <p:cNvSpPr txBox="1"/>
+          <p:cNvSpPr txBox="1">
+            <a:spLocks noGrp="1"/>
+          </p:cNvSpPr>
           <p:nvPr>
             <p:ph type="title"/>
           </p:nvPr>
@@ -2344,7 +2398,7 @@
           </a:prstGeom>
         </p:spPr>
         <p:txBody>
-          <a:bodyPr anchorCtr="0" anchor="t" bIns="91425" lIns="91425" spcFirstLastPara="1" rIns="91425" wrap="square" tIns="91425">
+          <a:bodyPr spcFirstLastPara="1" wrap="square" lIns="91425" tIns="91425" rIns="91425" bIns="91425" anchor="t" anchorCtr="0">
             <a:normAutofit/>
           </a:bodyPr>
           <a:lstStyle>
@@ -2448,15 +2502,19 @@
               <a:defRPr/>
             </a:lvl9pPr>
           </a:lstStyle>
-          <a:p/>
+          <a:p>
+            <a:endParaRPr/>
+          </a:p>
         </p:txBody>
       </p:sp>
       <p:sp>
         <p:nvSpPr>
           <p:cNvPr id="22" name="Google Shape;22;p4"/>
-          <p:cNvSpPr txBox="1"/>
+          <p:cNvSpPr txBox="1">
+            <a:spLocks noGrp="1"/>
+          </p:cNvSpPr>
           <p:nvPr>
-            <p:ph idx="1" type="body"/>
+            <p:ph type="body" idx="1"/>
           </p:nvPr>
         </p:nvSpPr>
         <p:spPr>
@@ -2469,11 +2527,11 @@
           </a:prstGeom>
         </p:spPr>
         <p:txBody>
-          <a:bodyPr anchorCtr="0" anchor="t" bIns="91425" lIns="91425" spcFirstLastPara="1" rIns="91425" wrap="square" tIns="91425">
+          <a:bodyPr spcFirstLastPara="1" wrap="square" lIns="91425" tIns="91425" rIns="91425" bIns="91425" anchor="t" anchorCtr="0">
             <a:normAutofit/>
           </a:bodyPr>
           <a:lstStyle>
-            <a:lvl1pPr indent="-355600" lvl="0" marL="457200">
+            <a:lvl1pPr marL="457200" lvl="0" indent="-355600">
               <a:spcBef>
                 <a:spcPts val="0"/>
               </a:spcBef>
@@ -2490,7 +2548,7 @@
                 <a:sym typeface="Lexend"/>
               </a:defRPr>
             </a:lvl1pPr>
-            <a:lvl2pPr indent="-330200" lvl="1" marL="914400">
+            <a:lvl2pPr marL="914400" lvl="1" indent="-330200">
               <a:spcBef>
                 <a:spcPts val="0"/>
               </a:spcBef>
@@ -2507,7 +2565,7 @@
                 <a:sym typeface="Lexend"/>
               </a:defRPr>
             </a:lvl2pPr>
-            <a:lvl3pPr indent="-330200" lvl="2" marL="1371600">
+            <a:lvl3pPr marL="1371600" lvl="2" indent="-330200">
               <a:spcBef>
                 <a:spcPts val="0"/>
               </a:spcBef>
@@ -2524,7 +2582,7 @@
                 <a:sym typeface="Lexend"/>
               </a:defRPr>
             </a:lvl3pPr>
-            <a:lvl4pPr indent="-330200" lvl="3" marL="1828800">
+            <a:lvl4pPr marL="1828800" lvl="3" indent="-330200">
               <a:spcBef>
                 <a:spcPts val="0"/>
               </a:spcBef>
@@ -2541,7 +2599,7 @@
                 <a:sym typeface="Lexend"/>
               </a:defRPr>
             </a:lvl4pPr>
-            <a:lvl5pPr indent="-330200" lvl="4" marL="2286000">
+            <a:lvl5pPr marL="2286000" lvl="4" indent="-330200">
               <a:spcBef>
                 <a:spcPts val="0"/>
               </a:spcBef>
@@ -2558,7 +2616,7 @@
                 <a:sym typeface="Lexend"/>
               </a:defRPr>
             </a:lvl5pPr>
-            <a:lvl6pPr indent="-330200" lvl="5" marL="2743200">
+            <a:lvl6pPr marL="2743200" lvl="5" indent="-330200">
               <a:spcBef>
                 <a:spcPts val="0"/>
               </a:spcBef>
@@ -2575,7 +2633,7 @@
                 <a:sym typeface="Lexend"/>
               </a:defRPr>
             </a:lvl6pPr>
-            <a:lvl7pPr indent="-330200" lvl="6" marL="3200400">
+            <a:lvl7pPr marL="3200400" lvl="6" indent="-330200">
               <a:spcBef>
                 <a:spcPts val="0"/>
               </a:spcBef>
@@ -2592,7 +2650,7 @@
                 <a:sym typeface="Lexend"/>
               </a:defRPr>
             </a:lvl7pPr>
-            <a:lvl8pPr indent="-330200" lvl="7" marL="3657600">
+            <a:lvl8pPr marL="3657600" lvl="7" indent="-330200">
               <a:spcBef>
                 <a:spcPts val="0"/>
               </a:spcBef>
@@ -2609,7 +2667,7 @@
                 <a:sym typeface="Lexend"/>
               </a:defRPr>
             </a:lvl8pPr>
-            <a:lvl9pPr indent="-330200" lvl="8" marL="4114800">
+            <a:lvl9pPr marL="4114800" lvl="8" indent="-330200">
               <a:spcBef>
                 <a:spcPts val="0"/>
               </a:spcBef>
@@ -2627,15 +2685,19 @@
               </a:defRPr>
             </a:lvl9pPr>
           </a:lstStyle>
-          <a:p/>
+          <a:p>
+            <a:endParaRPr/>
+          </a:p>
         </p:txBody>
       </p:sp>
       <p:sp>
         <p:nvSpPr>
           <p:cNvPr id="23" name="Google Shape;23;p4"/>
-          <p:cNvSpPr txBox="1"/>
+          <p:cNvSpPr txBox="1">
+            <a:spLocks noGrp="1"/>
+          </p:cNvSpPr>
           <p:nvPr>
-            <p:ph idx="12" type="sldNum"/>
+            <p:ph type="sldNum" idx="12"/>
           </p:nvPr>
         </p:nvSpPr>
         <p:spPr>
@@ -2648,7 +2710,7 @@
           </a:prstGeom>
         </p:spPr>
         <p:txBody>
-          <a:bodyPr anchorCtr="0" anchor="ctr" bIns="91425" lIns="91425" spcFirstLastPara="1" rIns="91425" wrap="square" tIns="91425">
+          <a:bodyPr spcFirstLastPara="1" wrap="square" lIns="91425" tIns="91425" rIns="91425" bIns="91425" anchor="ctr" anchorCtr="0">
             <a:normAutofit/>
           </a:bodyPr>
           <a:lstStyle>
@@ -2690,7 +2752,7 @@
             </a:lvl9pPr>
           </a:lstStyle>
           <a:p>
-            <a:pPr indent="0" lvl="0" marL="0" rtl="0" algn="r">
+            <a:pPr marL="0" lvl="0" indent="0" algn="r" rtl="0">
               <a:spcBef>
                 <a:spcPts val="0"/>
               </a:spcBef>
@@ -2701,7 +2763,7 @@
             </a:pPr>
             <a:fld id="{00000000-1234-1234-1234-123412341234}" type="slidenum">
               <a:rPr lang="es"/>
-              <a:t>‹#›</a:t>
+              <a:t>‹Nº›</a:t>
             </a:fld>
             <a:endParaRPr/>
           </a:p>
@@ -2716,11 +2778,11 @@
 </file>
 
 <file path=ppt/slideLayouts/slideLayout4.xml><?xml version="1.0" encoding="utf-8"?>
-<p:sldLayout xmlns:a="http://schemas.openxmlformats.org/drawingml/2006/main" xmlns:r="http://schemas.openxmlformats.org/officeDocument/2006/relationships" xmlns:mc="http://schemas.openxmlformats.org/markup-compatibility/2006" xmlns:mv="urn:schemas-microsoft-com:mac:vml" xmlns:p="http://schemas.openxmlformats.org/presentationml/2006/main" xmlns:c="http://schemas.openxmlformats.org/drawingml/2006/chart" xmlns:dgm="http://schemas.openxmlformats.org/drawingml/2006/diagram" xmlns:o="urn:schemas-microsoft-com:office:office" xmlns:v="urn:schemas-microsoft-com:vml" xmlns:pvml="urn:schemas-microsoft-com:office:powerpoint" xmlns:com="http://schemas.openxmlformats.org/drawingml/2006/compatibility" xmlns:p14="http://schemas.microsoft.com/office/powerpoint/2010/main" xmlns:p15="http://schemas.microsoft.com/office/powerpoint/2012/main" xmlns:ahyp="http://schemas.microsoft.com/office/drawing/2018/hyperlinkcolor" matchingName="Title and two columns" type="twoColTx">
+<p:sldLayout xmlns:a="http://schemas.openxmlformats.org/drawingml/2006/main" xmlns:r="http://schemas.openxmlformats.org/officeDocument/2006/relationships" xmlns:p="http://schemas.openxmlformats.org/presentationml/2006/main" matchingName="Title and two columns" type="twoColTx">
   <p:cSld name="TITLE_AND_TWO_COLUMNS">
     <p:spTree>
       <p:nvGrpSpPr>
-        <p:cNvPr id="24" name="Shape 24"/>
+        <p:cNvPr id="1" name="Shape 24"/>
         <p:cNvGrpSpPr/>
         <p:nvPr/>
       </p:nvGrpSpPr>
@@ -2735,7 +2797,9 @@
       <p:sp>
         <p:nvSpPr>
           <p:cNvPr id="25" name="Google Shape;25;p5"/>
-          <p:cNvSpPr txBox="1"/>
+          <p:cNvSpPr txBox="1">
+            <a:spLocks noGrp="1"/>
+          </p:cNvSpPr>
           <p:nvPr>
             <p:ph type="title"/>
           </p:nvPr>
@@ -2750,7 +2814,7 @@
           </a:prstGeom>
         </p:spPr>
         <p:txBody>
-          <a:bodyPr anchorCtr="0" anchor="t" bIns="91425" lIns="91425" spcFirstLastPara="1" rIns="91425" wrap="square" tIns="91425">
+          <a:bodyPr spcFirstLastPara="1" wrap="square" lIns="91425" tIns="91425" rIns="91425" bIns="91425" anchor="t" anchorCtr="0">
             <a:normAutofit/>
           </a:bodyPr>
           <a:lstStyle>
@@ -2854,15 +2918,19 @@
               <a:defRPr/>
             </a:lvl9pPr>
           </a:lstStyle>
-          <a:p/>
+          <a:p>
+            <a:endParaRPr/>
+          </a:p>
         </p:txBody>
       </p:sp>
       <p:sp>
         <p:nvSpPr>
           <p:cNvPr id="26" name="Google Shape;26;p5"/>
-          <p:cNvSpPr txBox="1"/>
+          <p:cNvSpPr txBox="1">
+            <a:spLocks noGrp="1"/>
+          </p:cNvSpPr>
           <p:nvPr>
-            <p:ph idx="1" type="body"/>
+            <p:ph type="body" idx="1"/>
           </p:nvPr>
         </p:nvSpPr>
         <p:spPr>
@@ -2875,11 +2943,11 @@
           </a:prstGeom>
         </p:spPr>
         <p:txBody>
-          <a:bodyPr anchorCtr="0" anchor="t" bIns="91425" lIns="91425" spcFirstLastPara="1" rIns="91425" wrap="square" tIns="91425">
+          <a:bodyPr spcFirstLastPara="1" wrap="square" lIns="91425" tIns="91425" rIns="91425" bIns="91425" anchor="t" anchorCtr="0">
             <a:normAutofit/>
           </a:bodyPr>
           <a:lstStyle>
-            <a:lvl1pPr indent="-317500" lvl="0" marL="457200">
+            <a:lvl1pPr marL="457200" lvl="0" indent="-317500">
               <a:spcBef>
                 <a:spcPts val="0"/>
               </a:spcBef>
@@ -2890,7 +2958,7 @@
               <a:buChar char="●"/>
               <a:defRPr sz="1400"/>
             </a:lvl1pPr>
-            <a:lvl2pPr indent="-304800" lvl="1" marL="914400">
+            <a:lvl2pPr marL="914400" lvl="1" indent="-304800">
               <a:spcBef>
                 <a:spcPts val="0"/>
               </a:spcBef>
@@ -2901,7 +2969,7 @@
               <a:buChar char="○"/>
               <a:defRPr sz="1200"/>
             </a:lvl2pPr>
-            <a:lvl3pPr indent="-304800" lvl="2" marL="1371600">
+            <a:lvl3pPr marL="1371600" lvl="2" indent="-304800">
               <a:spcBef>
                 <a:spcPts val="0"/>
               </a:spcBef>
@@ -2912,7 +2980,7 @@
               <a:buChar char="■"/>
               <a:defRPr sz="1200"/>
             </a:lvl3pPr>
-            <a:lvl4pPr indent="-304800" lvl="3" marL="1828800">
+            <a:lvl4pPr marL="1828800" lvl="3" indent="-304800">
               <a:spcBef>
                 <a:spcPts val="0"/>
               </a:spcBef>
@@ -2923,7 +2991,7 @@
               <a:buChar char="●"/>
               <a:defRPr sz="1200"/>
             </a:lvl4pPr>
-            <a:lvl5pPr indent="-304800" lvl="4" marL="2286000">
+            <a:lvl5pPr marL="2286000" lvl="4" indent="-304800">
               <a:spcBef>
                 <a:spcPts val="0"/>
               </a:spcBef>
@@ -2934,7 +3002,7 @@
               <a:buChar char="○"/>
               <a:defRPr sz="1200"/>
             </a:lvl5pPr>
-            <a:lvl6pPr indent="-304800" lvl="5" marL="2743200">
+            <a:lvl6pPr marL="2743200" lvl="5" indent="-304800">
               <a:spcBef>
                 <a:spcPts val="0"/>
               </a:spcBef>
@@ -2945,7 +3013,7 @@
               <a:buChar char="■"/>
               <a:defRPr sz="1200"/>
             </a:lvl6pPr>
-            <a:lvl7pPr indent="-304800" lvl="6" marL="3200400">
+            <a:lvl7pPr marL="3200400" lvl="6" indent="-304800">
               <a:spcBef>
                 <a:spcPts val="0"/>
               </a:spcBef>
@@ -2956,7 +3024,7 @@
               <a:buChar char="●"/>
               <a:defRPr sz="1200"/>
             </a:lvl7pPr>
-            <a:lvl8pPr indent="-304800" lvl="7" marL="3657600">
+            <a:lvl8pPr marL="3657600" lvl="7" indent="-304800">
               <a:spcBef>
                 <a:spcPts val="0"/>
               </a:spcBef>
@@ -2967,7 +3035,7 @@
               <a:buChar char="○"/>
               <a:defRPr sz="1200"/>
             </a:lvl8pPr>
-            <a:lvl9pPr indent="-304800" lvl="8" marL="4114800">
+            <a:lvl9pPr marL="4114800" lvl="8" indent="-304800">
               <a:spcBef>
                 <a:spcPts val="0"/>
               </a:spcBef>
@@ -2979,15 +3047,19 @@
               <a:defRPr sz="1200"/>
             </a:lvl9pPr>
           </a:lstStyle>
-          <a:p/>
+          <a:p>
+            <a:endParaRPr/>
+          </a:p>
         </p:txBody>
       </p:sp>
       <p:sp>
         <p:nvSpPr>
           <p:cNvPr id="27" name="Google Shape;27;p5"/>
-          <p:cNvSpPr txBox="1"/>
+          <p:cNvSpPr txBox="1">
+            <a:spLocks noGrp="1"/>
+          </p:cNvSpPr>
           <p:nvPr>
-            <p:ph idx="2" type="body"/>
+            <p:ph type="body" idx="2"/>
           </p:nvPr>
         </p:nvSpPr>
         <p:spPr>
@@ -3000,11 +3072,11 @@
           </a:prstGeom>
         </p:spPr>
         <p:txBody>
-          <a:bodyPr anchorCtr="0" anchor="t" bIns="91425" lIns="91425" spcFirstLastPara="1" rIns="91425" wrap="square" tIns="91425">
+          <a:bodyPr spcFirstLastPara="1" wrap="square" lIns="91425" tIns="91425" rIns="91425" bIns="91425" anchor="t" anchorCtr="0">
             <a:normAutofit/>
           </a:bodyPr>
           <a:lstStyle>
-            <a:lvl1pPr indent="-317500" lvl="0" marL="457200">
+            <a:lvl1pPr marL="457200" lvl="0" indent="-317500">
               <a:spcBef>
                 <a:spcPts val="0"/>
               </a:spcBef>
@@ -3015,7 +3087,7 @@
               <a:buChar char="●"/>
               <a:defRPr sz="1400"/>
             </a:lvl1pPr>
-            <a:lvl2pPr indent="-304800" lvl="1" marL="914400">
+            <a:lvl2pPr marL="914400" lvl="1" indent="-304800">
               <a:spcBef>
                 <a:spcPts val="0"/>
               </a:spcBef>
@@ -3026,7 +3098,7 @@
               <a:buChar char="○"/>
               <a:defRPr sz="1200"/>
             </a:lvl2pPr>
-            <a:lvl3pPr indent="-304800" lvl="2" marL="1371600">
+            <a:lvl3pPr marL="1371600" lvl="2" indent="-304800">
               <a:spcBef>
                 <a:spcPts val="0"/>
               </a:spcBef>
@@ -3037,7 +3109,7 @@
               <a:buChar char="■"/>
               <a:defRPr sz="1200"/>
             </a:lvl3pPr>
-            <a:lvl4pPr indent="-304800" lvl="3" marL="1828800">
+            <a:lvl4pPr marL="1828800" lvl="3" indent="-304800">
               <a:spcBef>
                 <a:spcPts val="0"/>
               </a:spcBef>
@@ -3048,7 +3120,7 @@
               <a:buChar char="●"/>
               <a:defRPr sz="1200"/>
             </a:lvl4pPr>
-            <a:lvl5pPr indent="-304800" lvl="4" marL="2286000">
+            <a:lvl5pPr marL="2286000" lvl="4" indent="-304800">
               <a:spcBef>
                 <a:spcPts val="0"/>
               </a:spcBef>
@@ -3059,7 +3131,7 @@
               <a:buChar char="○"/>
               <a:defRPr sz="1200"/>
             </a:lvl5pPr>
-            <a:lvl6pPr indent="-304800" lvl="5" marL="2743200">
+            <a:lvl6pPr marL="2743200" lvl="5" indent="-304800">
               <a:spcBef>
                 <a:spcPts val="0"/>
               </a:spcBef>
@@ -3070,7 +3142,7 @@
               <a:buChar char="■"/>
               <a:defRPr sz="1200"/>
             </a:lvl6pPr>
-            <a:lvl7pPr indent="-304800" lvl="6" marL="3200400">
+            <a:lvl7pPr marL="3200400" lvl="6" indent="-304800">
               <a:spcBef>
                 <a:spcPts val="0"/>
               </a:spcBef>
@@ -3081,7 +3153,7 @@
               <a:buChar char="●"/>
               <a:defRPr sz="1200"/>
             </a:lvl7pPr>
-            <a:lvl8pPr indent="-304800" lvl="7" marL="3657600">
+            <a:lvl8pPr marL="3657600" lvl="7" indent="-304800">
               <a:spcBef>
                 <a:spcPts val="0"/>
               </a:spcBef>
@@ -3092,7 +3164,7 @@
               <a:buChar char="○"/>
               <a:defRPr sz="1200"/>
             </a:lvl8pPr>
-            <a:lvl9pPr indent="-304800" lvl="8" marL="4114800">
+            <a:lvl9pPr marL="4114800" lvl="8" indent="-304800">
               <a:spcBef>
                 <a:spcPts val="0"/>
               </a:spcBef>
@@ -3104,15 +3176,19 @@
               <a:defRPr sz="1200"/>
             </a:lvl9pPr>
           </a:lstStyle>
-          <a:p/>
+          <a:p>
+            <a:endParaRPr/>
+          </a:p>
         </p:txBody>
       </p:sp>
       <p:sp>
         <p:nvSpPr>
           <p:cNvPr id="28" name="Google Shape;28;p5"/>
-          <p:cNvSpPr txBox="1"/>
+          <p:cNvSpPr txBox="1">
+            <a:spLocks noGrp="1"/>
+          </p:cNvSpPr>
           <p:nvPr>
-            <p:ph idx="12" type="sldNum"/>
+            <p:ph type="sldNum" idx="12"/>
           </p:nvPr>
         </p:nvSpPr>
         <p:spPr>
@@ -3125,7 +3201,7 @@
           </a:prstGeom>
         </p:spPr>
         <p:txBody>
-          <a:bodyPr anchorCtr="0" anchor="ctr" bIns="91425" lIns="91425" spcFirstLastPara="1" rIns="91425" wrap="square" tIns="91425">
+          <a:bodyPr spcFirstLastPara="1" wrap="square" lIns="91425" tIns="91425" rIns="91425" bIns="91425" anchor="ctr" anchorCtr="0">
             <a:normAutofit/>
           </a:bodyPr>
           <a:lstStyle>
@@ -3167,7 +3243,7 @@
             </a:lvl9pPr>
           </a:lstStyle>
           <a:p>
-            <a:pPr indent="0" lvl="0" marL="0" rtl="0" algn="r">
+            <a:pPr marL="0" lvl="0" indent="0" algn="r" rtl="0">
               <a:spcBef>
                 <a:spcPts val="0"/>
               </a:spcBef>
@@ -3178,7 +3254,7 @@
             </a:pPr>
             <a:fld id="{00000000-1234-1234-1234-123412341234}" type="slidenum">
               <a:rPr lang="es"/>
-              <a:t>‹#›</a:t>
+              <a:t>‹Nº›</a:t>
             </a:fld>
             <a:endParaRPr/>
           </a:p>
@@ -3193,11 +3269,11 @@
 </file>
 
 <file path=ppt/slideLayouts/slideLayout5.xml><?xml version="1.0" encoding="utf-8"?>
-<p:sldLayout xmlns:a="http://schemas.openxmlformats.org/drawingml/2006/main" xmlns:r="http://schemas.openxmlformats.org/officeDocument/2006/relationships" xmlns:mc="http://schemas.openxmlformats.org/markup-compatibility/2006" xmlns:mv="urn:schemas-microsoft-com:mac:vml" xmlns:p="http://schemas.openxmlformats.org/presentationml/2006/main" xmlns:c="http://schemas.openxmlformats.org/drawingml/2006/chart" xmlns:dgm="http://schemas.openxmlformats.org/drawingml/2006/diagram" xmlns:o="urn:schemas-microsoft-com:office:office" xmlns:v="urn:schemas-microsoft-com:vml" xmlns:pvml="urn:schemas-microsoft-com:office:powerpoint" xmlns:com="http://schemas.openxmlformats.org/drawingml/2006/compatibility" xmlns:p14="http://schemas.microsoft.com/office/powerpoint/2010/main" xmlns:p15="http://schemas.microsoft.com/office/powerpoint/2012/main" xmlns:ahyp="http://schemas.microsoft.com/office/drawing/2018/hyperlinkcolor" matchingName="Title only" type="titleOnly">
+<p:sldLayout xmlns:a="http://schemas.openxmlformats.org/drawingml/2006/main" xmlns:r="http://schemas.openxmlformats.org/officeDocument/2006/relationships" xmlns:p="http://schemas.openxmlformats.org/presentationml/2006/main" matchingName="Title only" type="titleOnly">
   <p:cSld name="TITLE_ONLY">
     <p:spTree>
       <p:nvGrpSpPr>
-        <p:cNvPr id="29" name="Shape 29"/>
+        <p:cNvPr id="1" name="Shape 29"/>
         <p:cNvGrpSpPr/>
         <p:nvPr/>
       </p:nvGrpSpPr>
@@ -3212,7 +3288,9 @@
       <p:sp>
         <p:nvSpPr>
           <p:cNvPr id="30" name="Google Shape;30;p6"/>
-          <p:cNvSpPr txBox="1"/>
+          <p:cNvSpPr txBox="1">
+            <a:spLocks noGrp="1"/>
+          </p:cNvSpPr>
           <p:nvPr>
             <p:ph type="title"/>
           </p:nvPr>
@@ -3227,7 +3305,7 @@
           </a:prstGeom>
         </p:spPr>
         <p:txBody>
-          <a:bodyPr anchorCtr="0" anchor="t" bIns="91425" lIns="91425" spcFirstLastPara="1" rIns="91425" wrap="square" tIns="91425">
+          <a:bodyPr spcFirstLastPara="1" wrap="square" lIns="91425" tIns="91425" rIns="91425" bIns="91425" anchor="t" anchorCtr="0">
             <a:normAutofit/>
           </a:bodyPr>
           <a:lstStyle>
@@ -3331,15 +3409,19 @@
               <a:defRPr/>
             </a:lvl9pPr>
           </a:lstStyle>
-          <a:p/>
+          <a:p>
+            <a:endParaRPr/>
+          </a:p>
         </p:txBody>
       </p:sp>
       <p:sp>
         <p:nvSpPr>
           <p:cNvPr id="31" name="Google Shape;31;p6"/>
-          <p:cNvSpPr txBox="1"/>
+          <p:cNvSpPr txBox="1">
+            <a:spLocks noGrp="1"/>
+          </p:cNvSpPr>
           <p:nvPr>
-            <p:ph idx="12" type="sldNum"/>
+            <p:ph type="sldNum" idx="12"/>
           </p:nvPr>
         </p:nvSpPr>
         <p:spPr>
@@ -3352,7 +3434,7 @@
           </a:prstGeom>
         </p:spPr>
         <p:txBody>
-          <a:bodyPr anchorCtr="0" anchor="ctr" bIns="91425" lIns="91425" spcFirstLastPara="1" rIns="91425" wrap="square" tIns="91425">
+          <a:bodyPr spcFirstLastPara="1" wrap="square" lIns="91425" tIns="91425" rIns="91425" bIns="91425" anchor="ctr" anchorCtr="0">
             <a:normAutofit/>
           </a:bodyPr>
           <a:lstStyle>
@@ -3394,7 +3476,7 @@
             </a:lvl9pPr>
           </a:lstStyle>
           <a:p>
-            <a:pPr indent="0" lvl="0" marL="0" rtl="0" algn="r">
+            <a:pPr marL="0" lvl="0" indent="0" algn="r" rtl="0">
               <a:spcBef>
                 <a:spcPts val="0"/>
               </a:spcBef>
@@ -3405,7 +3487,7 @@
             </a:pPr>
             <a:fld id="{00000000-1234-1234-1234-123412341234}" type="slidenum">
               <a:rPr lang="es"/>
-              <a:t>‹#›</a:t>
+              <a:t>‹Nº›</a:t>
             </a:fld>
             <a:endParaRPr/>
           </a:p>
@@ -3420,11 +3502,11 @@
 </file>
 
 <file path=ppt/slideLayouts/slideLayout6.xml><?xml version="1.0" encoding="utf-8"?>
-<p:sldLayout xmlns:a="http://schemas.openxmlformats.org/drawingml/2006/main" xmlns:r="http://schemas.openxmlformats.org/officeDocument/2006/relationships" xmlns:mc="http://schemas.openxmlformats.org/markup-compatibility/2006" xmlns:mv="urn:schemas-microsoft-com:mac:vml" xmlns:p="http://schemas.openxmlformats.org/presentationml/2006/main" xmlns:c="http://schemas.openxmlformats.org/drawingml/2006/chart" xmlns:dgm="http://schemas.openxmlformats.org/drawingml/2006/diagram" xmlns:o="urn:schemas-microsoft-com:office:office" xmlns:v="urn:schemas-microsoft-com:vml" xmlns:pvml="urn:schemas-microsoft-com:office:powerpoint" xmlns:com="http://schemas.openxmlformats.org/drawingml/2006/compatibility" xmlns:p14="http://schemas.microsoft.com/office/powerpoint/2010/main" xmlns:p15="http://schemas.microsoft.com/office/powerpoint/2012/main" xmlns:ahyp="http://schemas.microsoft.com/office/drawing/2018/hyperlinkcolor" matchingName="One column text">
+<p:sldLayout xmlns:a="http://schemas.openxmlformats.org/drawingml/2006/main" xmlns:r="http://schemas.openxmlformats.org/officeDocument/2006/relationships" xmlns:p="http://schemas.openxmlformats.org/presentationml/2006/main" matchingName="One column text">
   <p:cSld name="ONE_COLUMN_TEXT">
     <p:spTree>
       <p:nvGrpSpPr>
-        <p:cNvPr id="32" name="Shape 32"/>
+        <p:cNvPr id="1" name="Shape 32"/>
         <p:cNvGrpSpPr/>
         <p:nvPr/>
       </p:nvGrpSpPr>
@@ -3439,7 +3521,9 @@
       <p:sp>
         <p:nvSpPr>
           <p:cNvPr id="33" name="Google Shape;33;p7"/>
-          <p:cNvSpPr txBox="1"/>
+          <p:cNvSpPr txBox="1">
+            <a:spLocks noGrp="1"/>
+          </p:cNvSpPr>
           <p:nvPr>
             <p:ph type="title"/>
           </p:nvPr>
@@ -3454,7 +3538,7 @@
           </a:prstGeom>
         </p:spPr>
         <p:txBody>
-          <a:bodyPr anchorCtr="0" anchor="b" bIns="91425" lIns="91425" spcFirstLastPara="1" rIns="91425" wrap="square" tIns="91425">
+          <a:bodyPr spcFirstLastPara="1" wrap="square" lIns="91425" tIns="91425" rIns="91425" bIns="91425" anchor="b" anchorCtr="0">
             <a:normAutofit/>
           </a:bodyPr>
           <a:lstStyle>
@@ -3558,15 +3642,19 @@
               <a:defRPr sz="2400"/>
             </a:lvl9pPr>
           </a:lstStyle>
-          <a:p/>
+          <a:p>
+            <a:endParaRPr/>
+          </a:p>
         </p:txBody>
       </p:sp>
       <p:sp>
         <p:nvSpPr>
           <p:cNvPr id="34" name="Google Shape;34;p7"/>
-          <p:cNvSpPr txBox="1"/>
+          <p:cNvSpPr txBox="1">
+            <a:spLocks noGrp="1"/>
+          </p:cNvSpPr>
           <p:nvPr>
-            <p:ph idx="1" type="body"/>
+            <p:ph type="body" idx="1"/>
           </p:nvPr>
         </p:nvSpPr>
         <p:spPr>
@@ -3579,11 +3667,11 @@
           </a:prstGeom>
         </p:spPr>
         <p:txBody>
-          <a:bodyPr anchorCtr="0" anchor="t" bIns="91425" lIns="91425" spcFirstLastPara="1" rIns="91425" wrap="square" tIns="91425">
+          <a:bodyPr spcFirstLastPara="1" wrap="square" lIns="91425" tIns="91425" rIns="91425" bIns="91425" anchor="t" anchorCtr="0">
             <a:normAutofit/>
           </a:bodyPr>
           <a:lstStyle>
-            <a:lvl1pPr indent="-304800" lvl="0" marL="457200">
+            <a:lvl1pPr marL="457200" lvl="0" indent="-304800">
               <a:spcBef>
                 <a:spcPts val="0"/>
               </a:spcBef>
@@ -3594,7 +3682,7 @@
               <a:buChar char="●"/>
               <a:defRPr sz="1200"/>
             </a:lvl1pPr>
-            <a:lvl2pPr indent="-304800" lvl="1" marL="914400">
+            <a:lvl2pPr marL="914400" lvl="1" indent="-304800">
               <a:spcBef>
                 <a:spcPts val="0"/>
               </a:spcBef>
@@ -3605,7 +3693,7 @@
               <a:buChar char="○"/>
               <a:defRPr sz="1200"/>
             </a:lvl2pPr>
-            <a:lvl3pPr indent="-304800" lvl="2" marL="1371600">
+            <a:lvl3pPr marL="1371600" lvl="2" indent="-304800">
               <a:spcBef>
                 <a:spcPts val="0"/>
               </a:spcBef>
@@ -3616,7 +3704,7 @@
               <a:buChar char="■"/>
               <a:defRPr sz="1200"/>
             </a:lvl3pPr>
-            <a:lvl4pPr indent="-304800" lvl="3" marL="1828800">
+            <a:lvl4pPr marL="1828800" lvl="3" indent="-304800">
               <a:spcBef>
                 <a:spcPts val="0"/>
               </a:spcBef>
@@ -3627,7 +3715,7 @@
               <a:buChar char="●"/>
               <a:defRPr sz="1200"/>
             </a:lvl4pPr>
-            <a:lvl5pPr indent="-304800" lvl="4" marL="2286000">
+            <a:lvl5pPr marL="2286000" lvl="4" indent="-304800">
               <a:spcBef>
                 <a:spcPts val="0"/>
               </a:spcBef>
@@ -3638,7 +3726,7 @@
               <a:buChar char="○"/>
               <a:defRPr sz="1200"/>
             </a:lvl5pPr>
-            <a:lvl6pPr indent="-304800" lvl="5" marL="2743200">
+            <a:lvl6pPr marL="2743200" lvl="5" indent="-304800">
               <a:spcBef>
                 <a:spcPts val="0"/>
               </a:spcBef>
@@ -3649,7 +3737,7 @@
               <a:buChar char="■"/>
               <a:defRPr sz="1200"/>
             </a:lvl6pPr>
-            <a:lvl7pPr indent="-304800" lvl="6" marL="3200400">
+            <a:lvl7pPr marL="3200400" lvl="6" indent="-304800">
               <a:spcBef>
                 <a:spcPts val="0"/>
               </a:spcBef>
@@ -3660,7 +3748,7 @@
               <a:buChar char="●"/>
               <a:defRPr sz="1200"/>
             </a:lvl7pPr>
-            <a:lvl8pPr indent="-304800" lvl="7" marL="3657600">
+            <a:lvl8pPr marL="3657600" lvl="7" indent="-304800">
               <a:spcBef>
                 <a:spcPts val="0"/>
               </a:spcBef>
@@ -3671,7 +3759,7 @@
               <a:buChar char="○"/>
               <a:defRPr sz="1200"/>
             </a:lvl8pPr>
-            <a:lvl9pPr indent="-304800" lvl="8" marL="4114800">
+            <a:lvl9pPr marL="4114800" lvl="8" indent="-304800">
               <a:spcBef>
                 <a:spcPts val="0"/>
               </a:spcBef>
@@ -3683,15 +3771,19 @@
               <a:defRPr sz="1200"/>
             </a:lvl9pPr>
           </a:lstStyle>
-          <a:p/>
+          <a:p>
+            <a:endParaRPr/>
+          </a:p>
         </p:txBody>
       </p:sp>
       <p:sp>
         <p:nvSpPr>
           <p:cNvPr id="35" name="Google Shape;35;p7"/>
-          <p:cNvSpPr txBox="1"/>
+          <p:cNvSpPr txBox="1">
+            <a:spLocks noGrp="1"/>
+          </p:cNvSpPr>
           <p:nvPr>
-            <p:ph idx="12" type="sldNum"/>
+            <p:ph type="sldNum" idx="12"/>
           </p:nvPr>
         </p:nvSpPr>
         <p:spPr>
@@ -3704,7 +3796,7 @@
           </a:prstGeom>
         </p:spPr>
         <p:txBody>
-          <a:bodyPr anchorCtr="0" anchor="ctr" bIns="91425" lIns="91425" spcFirstLastPara="1" rIns="91425" wrap="square" tIns="91425">
+          <a:bodyPr spcFirstLastPara="1" wrap="square" lIns="91425" tIns="91425" rIns="91425" bIns="91425" anchor="ctr" anchorCtr="0">
             <a:normAutofit/>
           </a:bodyPr>
           <a:lstStyle>
@@ -3746,7 +3838,7 @@
             </a:lvl9pPr>
           </a:lstStyle>
           <a:p>
-            <a:pPr indent="0" lvl="0" marL="0" rtl="0" algn="r">
+            <a:pPr marL="0" lvl="0" indent="0" algn="r" rtl="0">
               <a:spcBef>
                 <a:spcPts val="0"/>
               </a:spcBef>
@@ -3757,7 +3849,7 @@
             </a:pPr>
             <a:fld id="{00000000-1234-1234-1234-123412341234}" type="slidenum">
               <a:rPr lang="es"/>
-              <a:t>‹#›</a:t>
+              <a:t>‹Nº›</a:t>
             </a:fld>
             <a:endParaRPr/>
           </a:p>
@@ -3772,18 +3864,19 @@
 </file>
 
 <file path=ppt/slideLayouts/slideLayout7.xml><?xml version="1.0" encoding="utf-8"?>
-<p:sldLayout xmlns:a="http://schemas.openxmlformats.org/drawingml/2006/main" xmlns:r="http://schemas.openxmlformats.org/officeDocument/2006/relationships" xmlns:mc="http://schemas.openxmlformats.org/markup-compatibility/2006" xmlns:mv="urn:schemas-microsoft-com:mac:vml" xmlns:p="http://schemas.openxmlformats.org/presentationml/2006/main" xmlns:c="http://schemas.openxmlformats.org/drawingml/2006/chart" xmlns:dgm="http://schemas.openxmlformats.org/drawingml/2006/diagram" xmlns:o="urn:schemas-microsoft-com:office:office" xmlns:v="urn:schemas-microsoft-com:vml" xmlns:pvml="urn:schemas-microsoft-com:office:powerpoint" xmlns:com="http://schemas.openxmlformats.org/drawingml/2006/compatibility" xmlns:p14="http://schemas.microsoft.com/office/powerpoint/2010/main" xmlns:p15="http://schemas.microsoft.com/office/powerpoint/2012/main" xmlns:ahyp="http://schemas.microsoft.com/office/drawing/2018/hyperlinkcolor" matchingName="Main point">
+<p:sldLayout xmlns:a="http://schemas.openxmlformats.org/drawingml/2006/main" xmlns:r="http://schemas.openxmlformats.org/officeDocument/2006/relationships" xmlns:p="http://schemas.openxmlformats.org/presentationml/2006/main" matchingName="Main point">
   <p:cSld name="MAIN_POINT">
     <p:bg>
       <p:bgPr>
         <a:solidFill>
           <a:schemeClr val="lt2"/>
         </a:solidFill>
+        <a:effectLst/>
       </p:bgPr>
     </p:bg>
     <p:spTree>
       <p:nvGrpSpPr>
-        <p:cNvPr id="36" name="Shape 36"/>
+        <p:cNvPr id="1" name="Shape 36"/>
         <p:cNvGrpSpPr/>
         <p:nvPr/>
       </p:nvGrpSpPr>
@@ -3798,7 +3891,9 @@
       <p:sp>
         <p:nvSpPr>
           <p:cNvPr id="37" name="Google Shape;37;p8"/>
-          <p:cNvSpPr txBox="1"/>
+          <p:cNvSpPr txBox="1">
+            <a:spLocks noGrp="1"/>
+          </p:cNvSpPr>
           <p:nvPr>
             <p:ph type="title"/>
           </p:nvPr>
@@ -3813,7 +3908,7 @@
           </a:prstGeom>
         </p:spPr>
         <p:txBody>
-          <a:bodyPr anchorCtr="0" anchor="ctr" bIns="91425" lIns="91425" spcFirstLastPara="1" rIns="91425" wrap="square" tIns="91425">
+          <a:bodyPr spcFirstLastPara="1" wrap="square" lIns="91425" tIns="91425" rIns="91425" bIns="91425" anchor="ctr" anchorCtr="0">
             <a:normAutofit/>
           </a:bodyPr>
           <a:lstStyle>
@@ -3980,15 +4075,19 @@
               </a:defRPr>
             </a:lvl9pPr>
           </a:lstStyle>
-          <a:p/>
+          <a:p>
+            <a:endParaRPr/>
+          </a:p>
         </p:txBody>
       </p:sp>
       <p:sp>
         <p:nvSpPr>
           <p:cNvPr id="38" name="Google Shape;38;p8"/>
-          <p:cNvSpPr txBox="1"/>
+          <p:cNvSpPr txBox="1">
+            <a:spLocks noGrp="1"/>
+          </p:cNvSpPr>
           <p:nvPr>
-            <p:ph idx="12" type="sldNum"/>
+            <p:ph type="sldNum" idx="12"/>
           </p:nvPr>
         </p:nvSpPr>
         <p:spPr>
@@ -4001,7 +4100,7 @@
           </a:prstGeom>
         </p:spPr>
         <p:txBody>
-          <a:bodyPr anchorCtr="0" anchor="ctr" bIns="91425" lIns="91425" spcFirstLastPara="1" rIns="91425" wrap="square" tIns="91425">
+          <a:bodyPr spcFirstLastPara="1" wrap="square" lIns="91425" tIns="91425" rIns="91425" bIns="91425" anchor="ctr" anchorCtr="0">
             <a:normAutofit/>
           </a:bodyPr>
           <a:lstStyle>
@@ -4079,7 +4178,7 @@
             </a:lvl9pPr>
           </a:lstStyle>
           <a:p>
-            <a:pPr indent="0" lvl="0" marL="0" rtl="0" algn="r">
+            <a:pPr marL="0" lvl="0" indent="0" algn="r" rtl="0">
               <a:spcBef>
                 <a:spcPts val="0"/>
               </a:spcBef>
@@ -4090,7 +4189,7 @@
             </a:pPr>
             <a:fld id="{00000000-1234-1234-1234-123412341234}" type="slidenum">
               <a:rPr lang="es"/>
-              <a:t>‹#›</a:t>
+              <a:t>‹Nº›</a:t>
             </a:fld>
             <a:endParaRPr/>
           </a:p>
@@ -4105,11 +4204,11 @@
 </file>
 
 <file path=ppt/slideLayouts/slideLayout8.xml><?xml version="1.0" encoding="utf-8"?>
-<p:sldLayout xmlns:a="http://schemas.openxmlformats.org/drawingml/2006/main" xmlns:r="http://schemas.openxmlformats.org/officeDocument/2006/relationships" xmlns:mc="http://schemas.openxmlformats.org/markup-compatibility/2006" xmlns:mv="urn:schemas-microsoft-com:mac:vml" xmlns:p="http://schemas.openxmlformats.org/presentationml/2006/main" xmlns:c="http://schemas.openxmlformats.org/drawingml/2006/chart" xmlns:dgm="http://schemas.openxmlformats.org/drawingml/2006/diagram" xmlns:o="urn:schemas-microsoft-com:office:office" xmlns:v="urn:schemas-microsoft-com:vml" xmlns:pvml="urn:schemas-microsoft-com:office:powerpoint" xmlns:com="http://schemas.openxmlformats.org/drawingml/2006/compatibility" xmlns:p14="http://schemas.microsoft.com/office/powerpoint/2010/main" xmlns:p15="http://schemas.microsoft.com/office/powerpoint/2012/main" xmlns:ahyp="http://schemas.microsoft.com/office/drawing/2018/hyperlinkcolor" matchingName="Section title and description">
+<p:sldLayout xmlns:a="http://schemas.openxmlformats.org/drawingml/2006/main" xmlns:r="http://schemas.openxmlformats.org/officeDocument/2006/relationships" xmlns:p="http://schemas.openxmlformats.org/presentationml/2006/main" matchingName="Section title and description">
   <p:cSld name="SECTION_TITLE_AND_DESCRIPTION">
     <p:spTree>
       <p:nvGrpSpPr>
-        <p:cNvPr id="39" name="Shape 39"/>
+        <p:cNvPr id="1" name="Shape 39"/>
         <p:cNvGrpSpPr/>
         <p:nvPr/>
       </p:nvGrpSpPr>
@@ -4143,12 +4242,12 @@
           </a:ln>
         </p:spPr>
         <p:txBody>
-          <a:bodyPr anchorCtr="0" anchor="ctr" bIns="91425" lIns="91425" spcFirstLastPara="1" rIns="91425" wrap="square" tIns="91425">
+          <a:bodyPr spcFirstLastPara="1" wrap="square" lIns="91425" tIns="91425" rIns="91425" bIns="91425" anchor="ctr" anchorCtr="0">
             <a:noAutofit/>
           </a:bodyPr>
           <a:lstStyle/>
           <a:p>
-            <a:pPr indent="0" lvl="0" marL="0" rtl="0" algn="l">
+            <a:pPr marL="0" lvl="0" indent="0" algn="l" rtl="0">
               <a:spcBef>
                 <a:spcPts val="0"/>
               </a:spcBef>
@@ -4157,9 +4256,6 @@
               </a:spcAft>
               <a:buNone/>
             </a:pPr>
-            <a:r>
-              <a:t/>
-            </a:r>
             <a:endParaRPr/>
           </a:p>
         </p:txBody>
@@ -4179,21 +4275,23 @@
             <a:avLst/>
           </a:prstGeom>
           <a:noFill/>
-          <a:ln cap="flat" cmpd="sng" w="19050">
+          <a:ln w="19050" cap="flat" cmpd="sng">
             <a:solidFill>
               <a:schemeClr val="lt1"/>
             </a:solidFill>
             <a:prstDash val="solid"/>
             <a:round/>
-            <a:headEnd len="sm" w="sm" type="none"/>
-            <a:tailEnd len="sm" w="sm" type="none"/>
+            <a:headEnd type="none" w="sm" len="sm"/>
+            <a:tailEnd type="none" w="sm" len="sm"/>
           </a:ln>
         </p:spPr>
       </p:cxnSp>
       <p:sp>
         <p:nvSpPr>
           <p:cNvPr id="42" name="Google Shape;42;p9"/>
-          <p:cNvSpPr txBox="1"/>
+          <p:cNvSpPr txBox="1">
+            <a:spLocks noGrp="1"/>
+          </p:cNvSpPr>
           <p:nvPr>
             <p:ph type="title"/>
           </p:nvPr>
@@ -4208,7 +4306,7 @@
           </a:prstGeom>
         </p:spPr>
         <p:txBody>
-          <a:bodyPr anchorCtr="0" anchor="b" bIns="91425" lIns="91425" spcFirstLastPara="1" rIns="91425" wrap="square" tIns="91425">
+          <a:bodyPr spcFirstLastPara="1" wrap="square" lIns="91425" tIns="91425" rIns="91425" bIns="91425" anchor="b" anchorCtr="0">
             <a:normAutofit/>
           </a:bodyPr>
           <a:lstStyle>
@@ -4312,15 +4410,19 @@
               <a:defRPr sz="4200"/>
             </a:lvl9pPr>
           </a:lstStyle>
-          <a:p/>
+          <a:p>
+            <a:endParaRPr/>
+          </a:p>
         </p:txBody>
       </p:sp>
       <p:sp>
         <p:nvSpPr>
           <p:cNvPr id="43" name="Google Shape;43;p9"/>
-          <p:cNvSpPr txBox="1"/>
+          <p:cNvSpPr txBox="1">
+            <a:spLocks noGrp="1"/>
+          </p:cNvSpPr>
           <p:nvPr>
-            <p:ph idx="1" type="subTitle"/>
+            <p:ph type="subTitle" idx="1"/>
           </p:nvPr>
         </p:nvSpPr>
         <p:spPr>
@@ -4333,7 +4435,7 @@
           </a:prstGeom>
         </p:spPr>
         <p:txBody>
-          <a:bodyPr anchorCtr="0" anchor="t" bIns="91425" lIns="91425" spcFirstLastPara="1" rIns="91425" wrap="square" tIns="91425">
+          <a:bodyPr spcFirstLastPara="1" wrap="square" lIns="91425" tIns="91425" rIns="91425" bIns="91425" anchor="t" anchorCtr="0">
             <a:normAutofit/>
           </a:bodyPr>
           <a:lstStyle>
@@ -4527,15 +4629,19 @@
               </a:defRPr>
             </a:lvl9pPr>
           </a:lstStyle>
-          <a:p/>
+          <a:p>
+            <a:endParaRPr/>
+          </a:p>
         </p:txBody>
       </p:sp>
       <p:sp>
         <p:nvSpPr>
           <p:cNvPr id="44" name="Google Shape;44;p9"/>
-          <p:cNvSpPr txBox="1"/>
+          <p:cNvSpPr txBox="1">
+            <a:spLocks noGrp="1"/>
+          </p:cNvSpPr>
           <p:nvPr>
-            <p:ph idx="2" type="body"/>
+            <p:ph type="body" idx="2"/>
           </p:nvPr>
         </p:nvSpPr>
         <p:spPr>
@@ -4548,11 +4654,11 @@
           </a:prstGeom>
         </p:spPr>
         <p:txBody>
-          <a:bodyPr anchorCtr="0" anchor="ctr" bIns="91425" lIns="91425" spcFirstLastPara="1" rIns="91425" wrap="square" tIns="91425">
+          <a:bodyPr spcFirstLastPara="1" wrap="square" lIns="91425" tIns="91425" rIns="91425" bIns="91425" anchor="ctr" anchorCtr="0">
             <a:normAutofit/>
           </a:bodyPr>
           <a:lstStyle>
-            <a:lvl1pPr indent="-355600" lvl="0" marL="457200">
+            <a:lvl1pPr marL="457200" lvl="0" indent="-355600">
               <a:spcBef>
                 <a:spcPts val="0"/>
               </a:spcBef>
@@ -4570,7 +4676,7 @@
                 </a:solidFill>
               </a:defRPr>
             </a:lvl1pPr>
-            <a:lvl2pPr indent="-330200" lvl="1" marL="914400">
+            <a:lvl2pPr marL="914400" lvl="1" indent="-330200">
               <a:spcBef>
                 <a:spcPts val="0"/>
               </a:spcBef>
@@ -4588,7 +4694,7 @@
                 </a:solidFill>
               </a:defRPr>
             </a:lvl2pPr>
-            <a:lvl3pPr indent="-330200" lvl="2" marL="1371600">
+            <a:lvl3pPr marL="1371600" lvl="2" indent="-330200">
               <a:spcBef>
                 <a:spcPts val="0"/>
               </a:spcBef>
@@ -4606,7 +4712,7 @@
                 </a:solidFill>
               </a:defRPr>
             </a:lvl3pPr>
-            <a:lvl4pPr indent="-330200" lvl="3" marL="1828800">
+            <a:lvl4pPr marL="1828800" lvl="3" indent="-330200">
               <a:spcBef>
                 <a:spcPts val="0"/>
               </a:spcBef>
@@ -4624,7 +4730,7 @@
                 </a:solidFill>
               </a:defRPr>
             </a:lvl4pPr>
-            <a:lvl5pPr indent="-330200" lvl="4" marL="2286000">
+            <a:lvl5pPr marL="2286000" lvl="4" indent="-330200">
               <a:spcBef>
                 <a:spcPts val="0"/>
               </a:spcBef>
@@ -4642,7 +4748,7 @@
                 </a:solidFill>
               </a:defRPr>
             </a:lvl5pPr>
-            <a:lvl6pPr indent="-330200" lvl="5" marL="2743200">
+            <a:lvl6pPr marL="2743200" lvl="5" indent="-330200">
               <a:spcBef>
                 <a:spcPts val="0"/>
               </a:spcBef>
@@ -4660,7 +4766,7 @@
                 </a:solidFill>
               </a:defRPr>
             </a:lvl6pPr>
-            <a:lvl7pPr indent="-330200" lvl="6" marL="3200400">
+            <a:lvl7pPr marL="3200400" lvl="6" indent="-330200">
               <a:spcBef>
                 <a:spcPts val="0"/>
               </a:spcBef>
@@ -4678,7 +4784,7 @@
                 </a:solidFill>
               </a:defRPr>
             </a:lvl7pPr>
-            <a:lvl8pPr indent="-330200" lvl="7" marL="3657600">
+            <a:lvl8pPr marL="3657600" lvl="7" indent="-330200">
               <a:spcBef>
                 <a:spcPts val="0"/>
               </a:spcBef>
@@ -4696,7 +4802,7 @@
                 </a:solidFill>
               </a:defRPr>
             </a:lvl8pPr>
-            <a:lvl9pPr indent="-330200" lvl="8" marL="4114800">
+            <a:lvl9pPr marL="4114800" lvl="8" indent="-330200">
               <a:spcBef>
                 <a:spcPts val="0"/>
               </a:spcBef>
@@ -4715,15 +4821,19 @@
               </a:defRPr>
             </a:lvl9pPr>
           </a:lstStyle>
-          <a:p/>
+          <a:p>
+            <a:endParaRPr/>
+          </a:p>
         </p:txBody>
       </p:sp>
       <p:sp>
         <p:nvSpPr>
           <p:cNvPr id="45" name="Google Shape;45;p9"/>
-          <p:cNvSpPr txBox="1"/>
+          <p:cNvSpPr txBox="1">
+            <a:spLocks noGrp="1"/>
+          </p:cNvSpPr>
           <p:nvPr>
-            <p:ph idx="12" type="sldNum"/>
+            <p:ph type="sldNum" idx="12"/>
           </p:nvPr>
         </p:nvSpPr>
         <p:spPr>
@@ -4736,7 +4846,7 @@
           </a:prstGeom>
         </p:spPr>
         <p:txBody>
-          <a:bodyPr anchorCtr="0" anchor="ctr" bIns="91425" lIns="91425" spcFirstLastPara="1" rIns="91425" wrap="square" tIns="91425">
+          <a:bodyPr spcFirstLastPara="1" wrap="square" lIns="91425" tIns="91425" rIns="91425" bIns="91425" anchor="ctr" anchorCtr="0">
             <a:normAutofit/>
           </a:bodyPr>
           <a:lstStyle>
@@ -4814,7 +4924,7 @@
             </a:lvl9pPr>
           </a:lstStyle>
           <a:p>
-            <a:pPr indent="0" lvl="0" marL="0" rtl="0" algn="r">
+            <a:pPr marL="0" lvl="0" indent="0" algn="r" rtl="0">
               <a:spcBef>
                 <a:spcPts val="0"/>
               </a:spcBef>
@@ -4825,7 +4935,7 @@
             </a:pPr>
             <a:fld id="{00000000-1234-1234-1234-123412341234}" type="slidenum">
               <a:rPr lang="es"/>
-              <a:t>‹#›</a:t>
+              <a:t>‹Nº›</a:t>
             </a:fld>
             <a:endParaRPr/>
           </a:p>
@@ -4840,11 +4950,11 @@
 </file>
 
 <file path=ppt/slideLayouts/slideLayout9.xml><?xml version="1.0" encoding="utf-8"?>
-<p:sldLayout xmlns:a="http://schemas.openxmlformats.org/drawingml/2006/main" xmlns:r="http://schemas.openxmlformats.org/officeDocument/2006/relationships" xmlns:mc="http://schemas.openxmlformats.org/markup-compatibility/2006" xmlns:mv="urn:schemas-microsoft-com:mac:vml" xmlns:p="http://schemas.openxmlformats.org/presentationml/2006/main" xmlns:c="http://schemas.openxmlformats.org/drawingml/2006/chart" xmlns:dgm="http://schemas.openxmlformats.org/drawingml/2006/diagram" xmlns:o="urn:schemas-microsoft-com:office:office" xmlns:v="urn:schemas-microsoft-com:vml" xmlns:pvml="urn:schemas-microsoft-com:office:powerpoint" xmlns:com="http://schemas.openxmlformats.org/drawingml/2006/compatibility" xmlns:p14="http://schemas.microsoft.com/office/powerpoint/2010/main" xmlns:p15="http://schemas.microsoft.com/office/powerpoint/2012/main" xmlns:ahyp="http://schemas.microsoft.com/office/drawing/2018/hyperlinkcolor" matchingName="Caption">
+<p:sldLayout xmlns:a="http://schemas.openxmlformats.org/drawingml/2006/main" xmlns:r="http://schemas.openxmlformats.org/officeDocument/2006/relationships" xmlns:p="http://schemas.openxmlformats.org/presentationml/2006/main" matchingName="Caption">
   <p:cSld name="CAPTION_ONLY">
     <p:spTree>
       <p:nvGrpSpPr>
-        <p:cNvPr id="46" name="Shape 46"/>
+        <p:cNvPr id="1" name="Shape 46"/>
         <p:cNvGrpSpPr/>
         <p:nvPr/>
       </p:nvGrpSpPr>
@@ -4859,9 +4969,11 @@
       <p:sp>
         <p:nvSpPr>
           <p:cNvPr id="47" name="Google Shape;47;p10"/>
-          <p:cNvSpPr txBox="1"/>
+          <p:cNvSpPr txBox="1">
+            <a:spLocks noGrp="1"/>
+          </p:cNvSpPr>
           <p:nvPr>
-            <p:ph idx="1" type="body"/>
+            <p:ph type="body" idx="1"/>
           </p:nvPr>
         </p:nvSpPr>
         <p:spPr>
@@ -4874,11 +4986,11 @@
           </a:prstGeom>
         </p:spPr>
         <p:txBody>
-          <a:bodyPr anchorCtr="0" anchor="ctr" bIns="91425" lIns="91425" spcFirstLastPara="1" rIns="91425" wrap="square" tIns="91425">
+          <a:bodyPr spcFirstLastPara="1" wrap="square" lIns="91425" tIns="91425" rIns="91425" bIns="91425" anchor="ctr" anchorCtr="0">
             <a:normAutofit/>
           </a:bodyPr>
           <a:lstStyle>
-            <a:lvl1pPr indent="-228600" lvl="0" marL="457200">
+            <a:lvl1pPr marL="457200" lvl="0" indent="-228600">
               <a:lnSpc>
                 <a:spcPct val="100000"/>
               </a:lnSpc>
@@ -4905,15 +5017,19 @@
               </a:defRPr>
             </a:lvl1pPr>
           </a:lstStyle>
-          <a:p/>
+          <a:p>
+            <a:endParaRPr/>
+          </a:p>
         </p:txBody>
       </p:sp>
       <p:sp>
         <p:nvSpPr>
           <p:cNvPr id="48" name="Google Shape;48;p10"/>
-          <p:cNvSpPr txBox="1"/>
+          <p:cNvSpPr txBox="1">
+            <a:spLocks noGrp="1"/>
+          </p:cNvSpPr>
           <p:nvPr>
-            <p:ph idx="12" type="sldNum"/>
+            <p:ph type="sldNum" idx="12"/>
           </p:nvPr>
         </p:nvSpPr>
         <p:spPr>
@@ -4926,7 +5042,7 @@
           </a:prstGeom>
         </p:spPr>
         <p:txBody>
-          <a:bodyPr anchorCtr="0" anchor="ctr" bIns="91425" lIns="91425" spcFirstLastPara="1" rIns="91425" wrap="square" tIns="91425">
+          <a:bodyPr spcFirstLastPara="1" wrap="square" lIns="91425" tIns="91425" rIns="91425" bIns="91425" anchor="ctr" anchorCtr="0">
             <a:normAutofit/>
           </a:bodyPr>
           <a:lstStyle>
@@ -4968,7 +5084,7 @@
             </a:lvl9pPr>
           </a:lstStyle>
           <a:p>
-            <a:pPr indent="0" lvl="0" marL="0" rtl="0" algn="r">
+            <a:pPr marL="0" lvl="0" indent="0" algn="r" rtl="0">
               <a:spcBef>
                 <a:spcPts val="0"/>
               </a:spcBef>
@@ -4979,7 +5095,7 @@
             </a:pPr>
             <a:fld id="{00000000-1234-1234-1234-123412341234}" type="slidenum">
               <a:rPr lang="es"/>
-              <a:t>‹#›</a:t>
+              <a:t>‹Nº›</a:t>
             </a:fld>
             <a:endParaRPr/>
           </a:p>
@@ -4994,18 +5110,19 @@
 </file>
 
 <file path=ppt/slideMasters/slideMaster1.xml><?xml version="1.0" encoding="utf-8"?>
-<p:sldMaster xmlns:a="http://schemas.openxmlformats.org/drawingml/2006/main" xmlns:r="http://schemas.openxmlformats.org/officeDocument/2006/relationships" xmlns:mc="http://schemas.openxmlformats.org/markup-compatibility/2006" xmlns:mv="urn:schemas-microsoft-com:mac:vml" xmlns:p="http://schemas.openxmlformats.org/presentationml/2006/main" xmlns:c="http://schemas.openxmlformats.org/drawingml/2006/chart" xmlns:dgm="http://schemas.openxmlformats.org/drawingml/2006/diagram" xmlns:o="urn:schemas-microsoft-com:office:office" xmlns:v="urn:schemas-microsoft-com:vml" xmlns:pvml="urn:schemas-microsoft-com:office:powerpoint" xmlns:com="http://schemas.openxmlformats.org/drawingml/2006/compatibility" xmlns:p14="http://schemas.microsoft.com/office/powerpoint/2010/main" xmlns:p15="http://schemas.microsoft.com/office/powerpoint/2012/main" xmlns:ahyp="http://schemas.microsoft.com/office/drawing/2018/hyperlinkcolor">
+<p:sldMaster xmlns:a="http://schemas.openxmlformats.org/drawingml/2006/main" xmlns:r="http://schemas.openxmlformats.org/officeDocument/2006/relationships" xmlns:p="http://schemas.openxmlformats.org/presentationml/2006/main">
   <p:cSld name="slate">
     <p:bg>
       <p:bgPr>
         <a:solidFill>
           <a:schemeClr val="lt1"/>
         </a:solidFill>
+        <a:effectLst/>
       </p:bgPr>
     </p:bg>
     <p:spTree>
       <p:nvGrpSpPr>
-        <p:cNvPr id="5" name="Shape 5"/>
+        <p:cNvPr id="1" name="Shape 5"/>
         <p:cNvGrpSpPr/>
         <p:nvPr/>
       </p:nvGrpSpPr>
@@ -5020,7 +5137,9 @@
       <p:sp>
         <p:nvSpPr>
           <p:cNvPr id="6" name="Google Shape;6;p1"/>
-          <p:cNvSpPr txBox="1"/>
+          <p:cNvSpPr txBox="1">
+            <a:spLocks noGrp="1"/>
+          </p:cNvSpPr>
           <p:nvPr>
             <p:ph type="title"/>
           </p:nvPr>
@@ -5039,7 +5158,7 @@
           </a:ln>
         </p:spPr>
         <p:txBody>
-          <a:bodyPr anchorCtr="0" anchor="t" bIns="91425" lIns="91425" spcFirstLastPara="1" rIns="91425" wrap="square" tIns="91425">
+          <a:bodyPr spcFirstLastPara="1" wrap="square" lIns="91425" tIns="91425" rIns="91425" bIns="91425" anchor="t" anchorCtr="0">
             <a:normAutofit/>
           </a:bodyPr>
           <a:lstStyle>
@@ -5251,15 +5370,19 @@
               </a:defRPr>
             </a:lvl9pPr>
           </a:lstStyle>
-          <a:p/>
+          <a:p>
+            <a:endParaRPr/>
+          </a:p>
         </p:txBody>
       </p:sp>
       <p:sp>
         <p:nvSpPr>
           <p:cNvPr id="7" name="Google Shape;7;p1"/>
-          <p:cNvSpPr txBox="1"/>
+          <p:cNvSpPr txBox="1">
+            <a:spLocks noGrp="1"/>
+          </p:cNvSpPr>
           <p:nvPr>
-            <p:ph idx="1" type="body"/>
+            <p:ph type="body" idx="1"/>
           </p:nvPr>
         </p:nvSpPr>
         <p:spPr>
@@ -5276,11 +5399,11 @@
           </a:ln>
         </p:spPr>
         <p:txBody>
-          <a:bodyPr anchorCtr="0" anchor="t" bIns="91425" lIns="91425" spcFirstLastPara="1" rIns="91425" wrap="square" tIns="91425">
+          <a:bodyPr spcFirstLastPara="1" wrap="square" lIns="91425" tIns="91425" rIns="91425" bIns="91425" anchor="t" anchorCtr="0">
             <a:normAutofit/>
           </a:bodyPr>
           <a:lstStyle>
-            <a:lvl1pPr indent="-355600" lvl="0" marL="457200">
+            <a:lvl1pPr marL="457200" lvl="0" indent="-355600">
               <a:lnSpc>
                 <a:spcPct val="115000"/>
               </a:lnSpc>
@@ -5306,7 +5429,7 @@
                 <a:sym typeface="Lexend"/>
               </a:defRPr>
             </a:lvl1pPr>
-            <a:lvl2pPr indent="-330200" lvl="1" marL="914400">
+            <a:lvl2pPr marL="914400" lvl="1" indent="-330200">
               <a:lnSpc>
                 <a:spcPct val="115000"/>
               </a:lnSpc>
@@ -5332,7 +5455,7 @@
                 <a:sym typeface="Lexend"/>
               </a:defRPr>
             </a:lvl2pPr>
-            <a:lvl3pPr indent="-330200" lvl="2" marL="1371600">
+            <a:lvl3pPr marL="1371600" lvl="2" indent="-330200">
               <a:lnSpc>
                 <a:spcPct val="115000"/>
               </a:lnSpc>
@@ -5358,7 +5481,7 @@
                 <a:sym typeface="Lexend"/>
               </a:defRPr>
             </a:lvl3pPr>
-            <a:lvl4pPr indent="-330200" lvl="3" marL="1828800">
+            <a:lvl4pPr marL="1828800" lvl="3" indent="-330200">
               <a:lnSpc>
                 <a:spcPct val="115000"/>
               </a:lnSpc>
@@ -5384,7 +5507,7 @@
                 <a:sym typeface="Lexend"/>
               </a:defRPr>
             </a:lvl4pPr>
-            <a:lvl5pPr indent="-330200" lvl="4" marL="2286000">
+            <a:lvl5pPr marL="2286000" lvl="4" indent="-330200">
               <a:lnSpc>
                 <a:spcPct val="115000"/>
               </a:lnSpc>
@@ -5410,7 +5533,7 @@
                 <a:sym typeface="Lexend"/>
               </a:defRPr>
             </a:lvl5pPr>
-            <a:lvl6pPr indent="-330200" lvl="5" marL="2743200">
+            <a:lvl6pPr marL="2743200" lvl="5" indent="-330200">
               <a:lnSpc>
                 <a:spcPct val="115000"/>
               </a:lnSpc>
@@ -5436,7 +5559,7 @@
                 <a:sym typeface="Lexend"/>
               </a:defRPr>
             </a:lvl6pPr>
-            <a:lvl7pPr indent="-330200" lvl="6" marL="3200400">
+            <a:lvl7pPr marL="3200400" lvl="6" indent="-330200">
               <a:lnSpc>
                 <a:spcPct val="115000"/>
               </a:lnSpc>
@@ -5462,7 +5585,7 @@
                 <a:sym typeface="Lexend"/>
               </a:defRPr>
             </a:lvl7pPr>
-            <a:lvl8pPr indent="-330200" lvl="7" marL="3657600">
+            <a:lvl8pPr marL="3657600" lvl="7" indent="-330200">
               <a:lnSpc>
                 <a:spcPct val="115000"/>
               </a:lnSpc>
@@ -5488,7 +5611,7 @@
                 <a:sym typeface="Lexend"/>
               </a:defRPr>
             </a:lvl8pPr>
-            <a:lvl9pPr indent="-330200" lvl="8" marL="4114800">
+            <a:lvl9pPr marL="4114800" lvl="8" indent="-330200">
               <a:lnSpc>
                 <a:spcPct val="115000"/>
               </a:lnSpc>
@@ -5515,15 +5638,19 @@
               </a:defRPr>
             </a:lvl9pPr>
           </a:lstStyle>
-          <a:p/>
+          <a:p>
+            <a:endParaRPr/>
+          </a:p>
         </p:txBody>
       </p:sp>
       <p:sp>
         <p:nvSpPr>
           <p:cNvPr id="8" name="Google Shape;8;p1"/>
-          <p:cNvSpPr txBox="1"/>
+          <p:cNvSpPr txBox="1">
+            <a:spLocks noGrp="1"/>
+          </p:cNvSpPr>
           <p:nvPr>
-            <p:ph idx="12" type="sldNum"/>
+            <p:ph type="sldNum" idx="12"/>
           </p:nvPr>
         </p:nvSpPr>
         <p:spPr>
@@ -5540,7 +5667,7 @@
           </a:ln>
         </p:spPr>
         <p:txBody>
-          <a:bodyPr anchorCtr="0" anchor="ctr" bIns="91425" lIns="91425" spcFirstLastPara="1" rIns="91425" wrap="square" tIns="91425">
+          <a:bodyPr spcFirstLastPara="1" wrap="square" lIns="91425" tIns="91425" rIns="91425" bIns="91425" anchor="ctr" anchorCtr="0">
             <a:normAutofit/>
           </a:bodyPr>
           <a:lstStyle>
@@ -5654,7 +5781,7 @@
             </a:lvl9pPr>
           </a:lstStyle>
           <a:p>
-            <a:pPr indent="0" lvl="0" marL="0" rtl="0" algn="r">
+            <a:pPr marL="0" lvl="0" indent="0" algn="r" rtl="0">
               <a:spcBef>
                 <a:spcPts val="0"/>
               </a:spcBef>
@@ -5665,7 +5792,7 @@
             </a:pPr>
             <a:fld id="{00000000-1234-1234-1234-123412341234}" type="slidenum">
               <a:rPr lang="es"/>
-              <a:t>‹#›</a:t>
+              <a:t>‹Nº›</a:t>
             </a:fld>
             <a:endParaRPr/>
           </a:p>
@@ -5673,7 +5800,7 @@
       </p:sp>
     </p:spTree>
   </p:cSld>
-  <p:clrMap accent1="accent1" accent2="accent2" accent3="accent3" accent4="accent4" accent5="accent5" accent6="accent6" bg1="lt1" bg2="dk2" tx1="dk1" tx2="lt2" folHlink="folHlink" hlink="hlink"/>
+  <p:clrMap bg1="lt1" tx1="dk1" bg2="dk2" tx2="lt2" accent1="accent1" accent2="accent2" accent3="accent3" accent4="accent4" accent5="accent5" accent6="accent6" hlink="hlink" folHlink="folHlink"/>
   <p:sldLayoutIdLst>
     <p:sldLayoutId id="2147483648" r:id="rId1"/>
     <p:sldLayoutId id="2147483649" r:id="rId2"/>
@@ -5687,10 +5814,10 @@
     <p:sldLayoutId id="2147483657" r:id="rId10"/>
     <p:sldLayoutId id="2147483658" r:id="rId11"/>
   </p:sldLayoutIdLst>
-  <p:hf dt="0" ftr="0" hdr="0" sldNum="0"/>
+  <p:hf sldNum="0" hdr="0" ftr="0" dt="0"/>
   <p:txStyles>
     <p:titleStyle>
-      <a:defPPr lvl="0" marR="0" rtl="0" algn="l">
+      <a:defPPr marR="0" lvl="0" algn="l" rtl="0">
         <a:lnSpc>
           <a:spcPct val="100000"/>
         </a:lnSpc>
@@ -5701,7 +5828,7 @@
           <a:spcPts val="0"/>
         </a:spcAft>
       </a:defPPr>
-      <a:lvl1pPr lvl="0" marR="0" rtl="0" algn="l">
+      <a:lvl1pPr marR="0" lvl="0" algn="l" rtl="0">
         <a:lnSpc>
           <a:spcPct val="100000"/>
         </a:lnSpc>
@@ -5715,7 +5842,7 @@
           <a:srgbClr val="000000"/>
         </a:buClr>
         <a:buFont typeface="Arial"/>
-        <a:defRPr b="0" i="0" sz="1400" u="none" cap="none" strike="noStrike">
+        <a:defRPr sz="1400" b="0" i="0" u="none" strike="noStrike" cap="none">
           <a:solidFill>
             <a:srgbClr val="000000"/>
           </a:solidFill>
@@ -5725,7 +5852,7 @@
           <a:sym typeface="Arial"/>
         </a:defRPr>
       </a:lvl1pPr>
-      <a:lvl2pPr lvl="1" marR="0" rtl="0" algn="l">
+      <a:lvl2pPr marR="0" lvl="1" algn="l" rtl="0">
         <a:lnSpc>
           <a:spcPct val="100000"/>
         </a:lnSpc>
@@ -5739,7 +5866,7 @@
           <a:srgbClr val="000000"/>
         </a:buClr>
         <a:buFont typeface="Arial"/>
-        <a:defRPr b="0" i="0" sz="1400" u="none" cap="none" strike="noStrike">
+        <a:defRPr sz="1400" b="0" i="0" u="none" strike="noStrike" cap="none">
           <a:solidFill>
             <a:srgbClr val="000000"/>
           </a:solidFill>
@@ -5749,7 +5876,7 @@
           <a:sym typeface="Arial"/>
         </a:defRPr>
       </a:lvl2pPr>
-      <a:lvl3pPr lvl="2" marR="0" rtl="0" algn="l">
+      <a:lvl3pPr marR="0" lvl="2" algn="l" rtl="0">
         <a:lnSpc>
           <a:spcPct val="100000"/>
         </a:lnSpc>
@@ -5763,7 +5890,7 @@
           <a:srgbClr val="000000"/>
         </a:buClr>
         <a:buFont typeface="Arial"/>
-        <a:defRPr b="0" i="0" sz="1400" u="none" cap="none" strike="noStrike">
+        <a:defRPr sz="1400" b="0" i="0" u="none" strike="noStrike" cap="none">
           <a:solidFill>
             <a:srgbClr val="000000"/>
           </a:solidFill>
@@ -5773,7 +5900,7 @@
           <a:sym typeface="Arial"/>
         </a:defRPr>
       </a:lvl3pPr>
-      <a:lvl4pPr lvl="3" marR="0" rtl="0" algn="l">
+      <a:lvl4pPr marR="0" lvl="3" algn="l" rtl="0">
         <a:lnSpc>
           <a:spcPct val="100000"/>
         </a:lnSpc>
@@ -5787,7 +5914,7 @@
           <a:srgbClr val="000000"/>
         </a:buClr>
         <a:buFont typeface="Arial"/>
-        <a:defRPr b="0" i="0" sz="1400" u="none" cap="none" strike="noStrike">
+        <a:defRPr sz="1400" b="0" i="0" u="none" strike="noStrike" cap="none">
           <a:solidFill>
             <a:srgbClr val="000000"/>
           </a:solidFill>
@@ -5797,7 +5924,7 @@
           <a:sym typeface="Arial"/>
         </a:defRPr>
       </a:lvl4pPr>
-      <a:lvl5pPr lvl="4" marR="0" rtl="0" algn="l">
+      <a:lvl5pPr marR="0" lvl="4" algn="l" rtl="0">
         <a:lnSpc>
           <a:spcPct val="100000"/>
         </a:lnSpc>
@@ -5811,7 +5938,7 @@
           <a:srgbClr val="000000"/>
         </a:buClr>
         <a:buFont typeface="Arial"/>
-        <a:defRPr b="0" i="0" sz="1400" u="none" cap="none" strike="noStrike">
+        <a:defRPr sz="1400" b="0" i="0" u="none" strike="noStrike" cap="none">
           <a:solidFill>
             <a:srgbClr val="000000"/>
           </a:solidFill>
@@ -5821,7 +5948,7 @@
           <a:sym typeface="Arial"/>
         </a:defRPr>
       </a:lvl5pPr>
-      <a:lvl6pPr lvl="5" marR="0" rtl="0" algn="l">
+      <a:lvl6pPr marR="0" lvl="5" algn="l" rtl="0">
         <a:lnSpc>
           <a:spcPct val="100000"/>
         </a:lnSpc>
@@ -5835,7 +5962,7 @@
           <a:srgbClr val="000000"/>
         </a:buClr>
         <a:buFont typeface="Arial"/>
-        <a:defRPr b="0" i="0" sz="1400" u="none" cap="none" strike="noStrike">
+        <a:defRPr sz="1400" b="0" i="0" u="none" strike="noStrike" cap="none">
           <a:solidFill>
             <a:srgbClr val="000000"/>
           </a:solidFill>
@@ -5845,7 +5972,7 @@
           <a:sym typeface="Arial"/>
         </a:defRPr>
       </a:lvl6pPr>
-      <a:lvl7pPr lvl="6" marR="0" rtl="0" algn="l">
+      <a:lvl7pPr marR="0" lvl="6" algn="l" rtl="0">
         <a:lnSpc>
           <a:spcPct val="100000"/>
         </a:lnSpc>
@@ -5859,7 +5986,7 @@
           <a:srgbClr val="000000"/>
         </a:buClr>
         <a:buFont typeface="Arial"/>
-        <a:defRPr b="0" i="0" sz="1400" u="none" cap="none" strike="noStrike">
+        <a:defRPr sz="1400" b="0" i="0" u="none" strike="noStrike" cap="none">
           <a:solidFill>
             <a:srgbClr val="000000"/>
           </a:solidFill>
@@ -5869,7 +5996,7 @@
           <a:sym typeface="Arial"/>
         </a:defRPr>
       </a:lvl7pPr>
-      <a:lvl8pPr lvl="7" marR="0" rtl="0" algn="l">
+      <a:lvl8pPr marR="0" lvl="7" algn="l" rtl="0">
         <a:lnSpc>
           <a:spcPct val="100000"/>
         </a:lnSpc>
@@ -5883,7 +6010,7 @@
           <a:srgbClr val="000000"/>
         </a:buClr>
         <a:buFont typeface="Arial"/>
-        <a:defRPr b="0" i="0" sz="1400" u="none" cap="none" strike="noStrike">
+        <a:defRPr sz="1400" b="0" i="0" u="none" strike="noStrike" cap="none">
           <a:solidFill>
             <a:srgbClr val="000000"/>
           </a:solidFill>
@@ -5893,7 +6020,7 @@
           <a:sym typeface="Arial"/>
         </a:defRPr>
       </a:lvl8pPr>
-      <a:lvl9pPr lvl="8" marR="0" rtl="0" algn="l">
+      <a:lvl9pPr marR="0" lvl="8" algn="l" rtl="0">
         <a:lnSpc>
           <a:spcPct val="100000"/>
         </a:lnSpc>
@@ -5907,7 +6034,7 @@
           <a:srgbClr val="000000"/>
         </a:buClr>
         <a:buFont typeface="Arial"/>
-        <a:defRPr b="0" i="0" sz="1400" u="none" cap="none" strike="noStrike">
+        <a:defRPr sz="1400" b="0" i="0" u="none" strike="noStrike" cap="none">
           <a:solidFill>
             <a:srgbClr val="000000"/>
           </a:solidFill>
@@ -5919,7 +6046,7 @@
       </a:lvl9pPr>
     </p:titleStyle>
     <p:bodyStyle>
-      <a:defPPr lvl="0" marR="0" rtl="0" algn="l">
+      <a:defPPr marR="0" lvl="0" algn="l" rtl="0">
         <a:lnSpc>
           <a:spcPct val="100000"/>
         </a:lnSpc>
@@ -5930,7 +6057,7 @@
           <a:spcPts val="0"/>
         </a:spcAft>
       </a:defPPr>
-      <a:lvl1pPr lvl="0" marR="0" rtl="0" algn="l">
+      <a:lvl1pPr marR="0" lvl="0" algn="l" rtl="0">
         <a:lnSpc>
           <a:spcPct val="100000"/>
         </a:lnSpc>
@@ -5944,7 +6071,7 @@
           <a:srgbClr val="000000"/>
         </a:buClr>
         <a:buFont typeface="Arial"/>
-        <a:defRPr b="0" i="0" sz="1400" u="none" cap="none" strike="noStrike">
+        <a:defRPr sz="1400" b="0" i="0" u="none" strike="noStrike" cap="none">
           <a:solidFill>
             <a:srgbClr val="000000"/>
           </a:solidFill>
@@ -5954,7 +6081,7 @@
           <a:sym typeface="Arial"/>
         </a:defRPr>
       </a:lvl1pPr>
-      <a:lvl2pPr lvl="1" marR="0" rtl="0" algn="l">
+      <a:lvl2pPr marR="0" lvl="1" algn="l" rtl="0">
         <a:lnSpc>
           <a:spcPct val="100000"/>
         </a:lnSpc>
@@ -5968,7 +6095,7 @@
           <a:srgbClr val="000000"/>
         </a:buClr>
         <a:buFont typeface="Arial"/>
-        <a:defRPr b="0" i="0" sz="1400" u="none" cap="none" strike="noStrike">
+        <a:defRPr sz="1400" b="0" i="0" u="none" strike="noStrike" cap="none">
           <a:solidFill>
             <a:srgbClr val="000000"/>
           </a:solidFill>
@@ -5978,7 +6105,7 @@
           <a:sym typeface="Arial"/>
         </a:defRPr>
       </a:lvl2pPr>
-      <a:lvl3pPr lvl="2" marR="0" rtl="0" algn="l">
+      <a:lvl3pPr marR="0" lvl="2" algn="l" rtl="0">
         <a:lnSpc>
           <a:spcPct val="100000"/>
         </a:lnSpc>
@@ -5992,7 +6119,7 @@
           <a:srgbClr val="000000"/>
         </a:buClr>
         <a:buFont typeface="Arial"/>
-        <a:defRPr b="0" i="0" sz="1400" u="none" cap="none" strike="noStrike">
+        <a:defRPr sz="1400" b="0" i="0" u="none" strike="noStrike" cap="none">
           <a:solidFill>
             <a:srgbClr val="000000"/>
           </a:solidFill>
@@ -6002,7 +6129,7 @@
           <a:sym typeface="Arial"/>
         </a:defRPr>
       </a:lvl3pPr>
-      <a:lvl4pPr lvl="3" marR="0" rtl="0" algn="l">
+      <a:lvl4pPr marR="0" lvl="3" algn="l" rtl="0">
         <a:lnSpc>
           <a:spcPct val="100000"/>
         </a:lnSpc>
@@ -6016,7 +6143,7 @@
           <a:srgbClr val="000000"/>
         </a:buClr>
         <a:buFont typeface="Arial"/>
-        <a:defRPr b="0" i="0" sz="1400" u="none" cap="none" strike="noStrike">
+        <a:defRPr sz="1400" b="0" i="0" u="none" strike="noStrike" cap="none">
           <a:solidFill>
             <a:srgbClr val="000000"/>
           </a:solidFill>
@@ -6026,7 +6153,7 @@
           <a:sym typeface="Arial"/>
         </a:defRPr>
       </a:lvl4pPr>
-      <a:lvl5pPr lvl="4" marR="0" rtl="0" algn="l">
+      <a:lvl5pPr marR="0" lvl="4" algn="l" rtl="0">
         <a:lnSpc>
           <a:spcPct val="100000"/>
         </a:lnSpc>
@@ -6040,7 +6167,7 @@
           <a:srgbClr val="000000"/>
         </a:buClr>
         <a:buFont typeface="Arial"/>
-        <a:defRPr b="0" i="0" sz="1400" u="none" cap="none" strike="noStrike">
+        <a:defRPr sz="1400" b="0" i="0" u="none" strike="noStrike" cap="none">
           <a:solidFill>
             <a:srgbClr val="000000"/>
           </a:solidFill>
@@ -6050,7 +6177,7 @@
           <a:sym typeface="Arial"/>
         </a:defRPr>
       </a:lvl5pPr>
-      <a:lvl6pPr lvl="5" marR="0" rtl="0" algn="l">
+      <a:lvl6pPr marR="0" lvl="5" algn="l" rtl="0">
         <a:lnSpc>
           <a:spcPct val="100000"/>
         </a:lnSpc>
@@ -6064,7 +6191,7 @@
           <a:srgbClr val="000000"/>
         </a:buClr>
         <a:buFont typeface="Arial"/>
-        <a:defRPr b="0" i="0" sz="1400" u="none" cap="none" strike="noStrike">
+        <a:defRPr sz="1400" b="0" i="0" u="none" strike="noStrike" cap="none">
           <a:solidFill>
             <a:srgbClr val="000000"/>
           </a:solidFill>
@@ -6074,7 +6201,7 @@
           <a:sym typeface="Arial"/>
         </a:defRPr>
       </a:lvl6pPr>
-      <a:lvl7pPr lvl="6" marR="0" rtl="0" algn="l">
+      <a:lvl7pPr marR="0" lvl="6" algn="l" rtl="0">
         <a:lnSpc>
           <a:spcPct val="100000"/>
         </a:lnSpc>
@@ -6088,7 +6215,7 @@
           <a:srgbClr val="000000"/>
         </a:buClr>
         <a:buFont typeface="Arial"/>
-        <a:defRPr b="0" i="0" sz="1400" u="none" cap="none" strike="noStrike">
+        <a:defRPr sz="1400" b="0" i="0" u="none" strike="noStrike" cap="none">
           <a:solidFill>
             <a:srgbClr val="000000"/>
           </a:solidFill>
@@ -6098,7 +6225,7 @@
           <a:sym typeface="Arial"/>
         </a:defRPr>
       </a:lvl7pPr>
-      <a:lvl8pPr lvl="7" marR="0" rtl="0" algn="l">
+      <a:lvl8pPr marR="0" lvl="7" algn="l" rtl="0">
         <a:lnSpc>
           <a:spcPct val="100000"/>
         </a:lnSpc>
@@ -6112,7 +6239,7 @@
           <a:srgbClr val="000000"/>
         </a:buClr>
         <a:buFont typeface="Arial"/>
-        <a:defRPr b="0" i="0" sz="1400" u="none" cap="none" strike="noStrike">
+        <a:defRPr sz="1400" b="0" i="0" u="none" strike="noStrike" cap="none">
           <a:solidFill>
             <a:srgbClr val="000000"/>
           </a:solidFill>
@@ -6122,7 +6249,7 @@
           <a:sym typeface="Arial"/>
         </a:defRPr>
       </a:lvl8pPr>
-      <a:lvl9pPr lvl="8" marR="0" rtl="0" algn="l">
+      <a:lvl9pPr marR="0" lvl="8" algn="l" rtl="0">
         <a:lnSpc>
           <a:spcPct val="100000"/>
         </a:lnSpc>
@@ -6136,7 +6263,7 @@
           <a:srgbClr val="000000"/>
         </a:buClr>
         <a:buFont typeface="Arial"/>
-        <a:defRPr b="0" i="0" sz="1400" u="none" cap="none" strike="noStrike">
+        <a:defRPr sz="1400" b="0" i="0" u="none" strike="noStrike" cap="none">
           <a:solidFill>
             <a:srgbClr val="000000"/>
           </a:solidFill>
@@ -6148,7 +6275,7 @@
       </a:lvl9pPr>
     </p:bodyStyle>
     <p:otherStyle>
-      <a:defPPr lvl="0" marR="0" rtl="0" algn="l">
+      <a:defPPr marR="0" lvl="0" algn="l" rtl="0">
         <a:lnSpc>
           <a:spcPct val="100000"/>
         </a:lnSpc>
@@ -6159,7 +6286,7 @@
           <a:spcPts val="0"/>
         </a:spcAft>
       </a:defPPr>
-      <a:lvl1pPr lvl="0" marR="0" rtl="0" algn="l">
+      <a:lvl1pPr marR="0" lvl="0" algn="l" rtl="0">
         <a:lnSpc>
           <a:spcPct val="100000"/>
         </a:lnSpc>
@@ -6173,7 +6300,7 @@
           <a:srgbClr val="000000"/>
         </a:buClr>
         <a:buFont typeface="Arial"/>
-        <a:defRPr b="0" i="0" sz="1400" u="none" cap="none" strike="noStrike">
+        <a:defRPr sz="1400" b="0" i="0" u="none" strike="noStrike" cap="none">
           <a:solidFill>
             <a:srgbClr val="000000"/>
           </a:solidFill>
@@ -6183,7 +6310,7 @@
           <a:sym typeface="Arial"/>
         </a:defRPr>
       </a:lvl1pPr>
-      <a:lvl2pPr lvl="1" marR="0" rtl="0" algn="l">
+      <a:lvl2pPr marR="0" lvl="1" algn="l" rtl="0">
         <a:lnSpc>
           <a:spcPct val="100000"/>
         </a:lnSpc>
@@ -6197,7 +6324,7 @@
           <a:srgbClr val="000000"/>
         </a:buClr>
         <a:buFont typeface="Arial"/>
-        <a:defRPr b="0" i="0" sz="1400" u="none" cap="none" strike="noStrike">
+        <a:defRPr sz="1400" b="0" i="0" u="none" strike="noStrike" cap="none">
           <a:solidFill>
             <a:srgbClr val="000000"/>
           </a:solidFill>
@@ -6207,7 +6334,7 @@
           <a:sym typeface="Arial"/>
         </a:defRPr>
       </a:lvl2pPr>
-      <a:lvl3pPr lvl="2" marR="0" rtl="0" algn="l">
+      <a:lvl3pPr marR="0" lvl="2" algn="l" rtl="0">
         <a:lnSpc>
           <a:spcPct val="100000"/>
         </a:lnSpc>
@@ -6221,7 +6348,7 @@
           <a:srgbClr val="000000"/>
         </a:buClr>
         <a:buFont typeface="Arial"/>
-        <a:defRPr b="0" i="0" sz="1400" u="none" cap="none" strike="noStrike">
+        <a:defRPr sz="1400" b="0" i="0" u="none" strike="noStrike" cap="none">
           <a:solidFill>
             <a:srgbClr val="000000"/>
           </a:solidFill>
@@ -6231,7 +6358,7 @@
           <a:sym typeface="Arial"/>
         </a:defRPr>
       </a:lvl3pPr>
-      <a:lvl4pPr lvl="3" marR="0" rtl="0" algn="l">
+      <a:lvl4pPr marR="0" lvl="3" algn="l" rtl="0">
         <a:lnSpc>
           <a:spcPct val="100000"/>
         </a:lnSpc>
@@ -6245,7 +6372,7 @@
           <a:srgbClr val="000000"/>
         </a:buClr>
         <a:buFont typeface="Arial"/>
-        <a:defRPr b="0" i="0" sz="1400" u="none" cap="none" strike="noStrike">
+        <a:defRPr sz="1400" b="0" i="0" u="none" strike="noStrike" cap="none">
           <a:solidFill>
             <a:srgbClr val="000000"/>
           </a:solidFill>
@@ -6255,7 +6382,7 @@
           <a:sym typeface="Arial"/>
         </a:defRPr>
       </a:lvl4pPr>
-      <a:lvl5pPr lvl="4" marR="0" rtl="0" algn="l">
+      <a:lvl5pPr marR="0" lvl="4" algn="l" rtl="0">
         <a:lnSpc>
           <a:spcPct val="100000"/>
         </a:lnSpc>
@@ -6269,7 +6396,7 @@
           <a:srgbClr val="000000"/>
         </a:buClr>
         <a:buFont typeface="Arial"/>
-        <a:defRPr b="0" i="0" sz="1400" u="none" cap="none" strike="noStrike">
+        <a:defRPr sz="1400" b="0" i="0" u="none" strike="noStrike" cap="none">
           <a:solidFill>
             <a:srgbClr val="000000"/>
           </a:solidFill>
@@ -6279,7 +6406,7 @@
           <a:sym typeface="Arial"/>
         </a:defRPr>
       </a:lvl5pPr>
-      <a:lvl6pPr lvl="5" marR="0" rtl="0" algn="l">
+      <a:lvl6pPr marR="0" lvl="5" algn="l" rtl="0">
         <a:lnSpc>
           <a:spcPct val="100000"/>
         </a:lnSpc>
@@ -6293,7 +6420,7 @@
           <a:srgbClr val="000000"/>
         </a:buClr>
         <a:buFont typeface="Arial"/>
-        <a:defRPr b="0" i="0" sz="1400" u="none" cap="none" strike="noStrike">
+        <a:defRPr sz="1400" b="0" i="0" u="none" strike="noStrike" cap="none">
           <a:solidFill>
             <a:srgbClr val="000000"/>
           </a:solidFill>
@@ -6303,7 +6430,7 @@
           <a:sym typeface="Arial"/>
         </a:defRPr>
       </a:lvl6pPr>
-      <a:lvl7pPr lvl="6" marR="0" rtl="0" algn="l">
+      <a:lvl7pPr marR="0" lvl="6" algn="l" rtl="0">
         <a:lnSpc>
           <a:spcPct val="100000"/>
         </a:lnSpc>
@@ -6317,7 +6444,7 @@
           <a:srgbClr val="000000"/>
         </a:buClr>
         <a:buFont typeface="Arial"/>
-        <a:defRPr b="0" i="0" sz="1400" u="none" cap="none" strike="noStrike">
+        <a:defRPr sz="1400" b="0" i="0" u="none" strike="noStrike" cap="none">
           <a:solidFill>
             <a:srgbClr val="000000"/>
           </a:solidFill>
@@ -6327,7 +6454,7 @@
           <a:sym typeface="Arial"/>
         </a:defRPr>
       </a:lvl7pPr>
-      <a:lvl8pPr lvl="7" marR="0" rtl="0" algn="l">
+      <a:lvl8pPr marR="0" lvl="7" algn="l" rtl="0">
         <a:lnSpc>
           <a:spcPct val="100000"/>
         </a:lnSpc>
@@ -6341,7 +6468,7 @@
           <a:srgbClr val="000000"/>
         </a:buClr>
         <a:buFont typeface="Arial"/>
-        <a:defRPr b="0" i="0" sz="1400" u="none" cap="none" strike="noStrike">
+        <a:defRPr sz="1400" b="0" i="0" u="none" strike="noStrike" cap="none">
           <a:solidFill>
             <a:srgbClr val="000000"/>
           </a:solidFill>
@@ -6351,7 +6478,7 @@
           <a:sym typeface="Arial"/>
         </a:defRPr>
       </a:lvl8pPr>
-      <a:lvl9pPr lvl="8" marR="0" rtl="0" algn="l">
+      <a:lvl9pPr marR="0" lvl="8" algn="l" rtl="0">
         <a:lnSpc>
           <a:spcPct val="100000"/>
         </a:lnSpc>
@@ -6365,7 +6492,7 @@
           <a:srgbClr val="000000"/>
         </a:buClr>
         <a:buFont typeface="Arial"/>
-        <a:defRPr b="0" i="0" sz="1400" u="none" cap="none" strike="noStrike">
+        <a:defRPr sz="1400" b="0" i="0" u="none" strike="noStrike" cap="none">
           <a:solidFill>
             <a:srgbClr val="000000"/>
           </a:solidFill>
@@ -6381,11 +6508,11 @@
 </file>
 
 <file path=ppt/slides/slide1.xml><?xml version="1.0" encoding="utf-8"?>
-<p:sld xmlns:a="http://schemas.openxmlformats.org/drawingml/2006/main" xmlns:r="http://schemas.openxmlformats.org/officeDocument/2006/relationships" xmlns:mc="http://schemas.openxmlformats.org/markup-compatibility/2006" xmlns:mv="urn:schemas-microsoft-com:mac:vml" xmlns:p="http://schemas.openxmlformats.org/presentationml/2006/main" xmlns:c="http://schemas.openxmlformats.org/drawingml/2006/chart" xmlns:dgm="http://schemas.openxmlformats.org/drawingml/2006/diagram" xmlns:o="urn:schemas-microsoft-com:office:office" xmlns:v="urn:schemas-microsoft-com:vml" xmlns:pvml="urn:schemas-microsoft-com:office:powerpoint" xmlns:com="http://schemas.openxmlformats.org/drawingml/2006/compatibility" xmlns:p14="http://schemas.microsoft.com/office/powerpoint/2010/main" xmlns:p15="http://schemas.microsoft.com/office/powerpoint/2012/main" xmlns:ahyp="http://schemas.microsoft.com/office/drawing/2018/hyperlinkcolor">
+<p:sld xmlns:a="http://schemas.openxmlformats.org/drawingml/2006/main" xmlns:r="http://schemas.openxmlformats.org/officeDocument/2006/relationships" xmlns:p="http://schemas.openxmlformats.org/presentationml/2006/main">
   <p:cSld>
     <p:spTree>
       <p:nvGrpSpPr>
-        <p:cNvPr id="58" name="Shape 58"/>
+        <p:cNvPr id="1" name="Shape 58"/>
         <p:cNvGrpSpPr/>
         <p:nvPr/>
       </p:nvGrpSpPr>
@@ -6400,7 +6527,9 @@
       <p:sp>
         <p:nvSpPr>
           <p:cNvPr id="59" name="Google Shape;59;p13"/>
-          <p:cNvSpPr txBox="1"/>
+          <p:cNvSpPr txBox="1">
+            <a:spLocks noGrp="1"/>
+          </p:cNvSpPr>
           <p:nvPr>
             <p:ph type="ctrTitle"/>
           </p:nvPr>
@@ -6418,12 +6547,12 @@
           </a:ln>
         </p:spPr>
         <p:txBody>
-          <a:bodyPr anchorCtr="0" anchor="b" bIns="91425" lIns="91425" spcFirstLastPara="1" rIns="91425" wrap="square" tIns="91425">
+          <a:bodyPr spcFirstLastPara="1" wrap="square" lIns="91425" tIns="91425" rIns="91425" bIns="91425" anchor="b" anchorCtr="0">
             <a:normAutofit/>
           </a:bodyPr>
           <a:lstStyle/>
           <a:p>
-            <a:pPr indent="0" lvl="0" marL="0" rtl="0" algn="ctr">
+            <a:pPr marL="0" lvl="0" indent="0" algn="ctr" rtl="0">
               <a:spcBef>
                 <a:spcPts val="0"/>
               </a:spcBef>
@@ -6443,9 +6572,11 @@
       <p:sp>
         <p:nvSpPr>
           <p:cNvPr id="60" name="Google Shape;60;p13"/>
-          <p:cNvSpPr txBox="1"/>
+          <p:cNvSpPr txBox="1">
+            <a:spLocks noGrp="1"/>
+          </p:cNvSpPr>
           <p:nvPr>
-            <p:ph idx="1" type="subTitle"/>
+            <p:ph type="subTitle" idx="1"/>
           </p:nvPr>
         </p:nvSpPr>
         <p:spPr>
@@ -6458,12 +6589,12 @@
           </a:prstGeom>
         </p:spPr>
         <p:txBody>
-          <a:bodyPr anchorCtr="0" anchor="t" bIns="91425" lIns="91425" spcFirstLastPara="1" rIns="91425" wrap="square" tIns="91425">
+          <a:bodyPr spcFirstLastPara="1" wrap="square" lIns="91425" tIns="91425" rIns="91425" bIns="91425" anchor="t" anchorCtr="0">
             <a:normAutofit lnSpcReduction="20000"/>
           </a:bodyPr>
           <a:lstStyle/>
           <a:p>
-            <a:pPr indent="0" lvl="0" marL="0" rtl="0" algn="ctr">
+            <a:pPr marL="0" lvl="0" indent="0" algn="ctr" rtl="0">
               <a:spcBef>
                 <a:spcPts val="0"/>
               </a:spcBef>
@@ -6478,15 +6609,7 @@
                   <a:srgbClr val="E5C99F"/>
                 </a:solidFill>
               </a:rPr>
-              <a:t>October 30</a:t>
-            </a:r>
-            <a:r>
-              <a:rPr lang="es">
-                <a:solidFill>
-                  <a:srgbClr val="E5C99F"/>
-                </a:solidFill>
-              </a:rPr>
-              <a:t>th Update</a:t>
+              <a:t>October 30th Update</a:t>
             </a:r>
             <a:endParaRPr>
               <a:solidFill>
@@ -6495,7 +6618,7 @@
             </a:endParaRPr>
           </a:p>
           <a:p>
-            <a:pPr indent="0" lvl="0" marL="0" rtl="0" algn="ctr">
+            <a:pPr marL="0" lvl="0" indent="0" algn="ctr" rtl="0">
               <a:spcBef>
                 <a:spcPts val="0"/>
               </a:spcBef>
@@ -6504,13 +6627,10 @@
               </a:spcAft>
               <a:buNone/>
             </a:pPr>
-            <a:r>
-              <a:t/>
-            </a:r>
             <a:endParaRPr/>
           </a:p>
           <a:p>
-            <a:pPr indent="0" lvl="0" marL="0" rtl="0" algn="ctr">
+            <a:pPr marL="0" lvl="0" indent="0" algn="ctr" rtl="0">
               <a:spcBef>
                 <a:spcPts val="0"/>
               </a:spcBef>
@@ -6540,7 +6660,7 @@
             <a:endParaRPr sz="1800"/>
           </a:p>
           <a:p>
-            <a:pPr indent="0" lvl="0" marL="0" rtl="0" algn="ctr">
+            <a:pPr marL="0" lvl="0" indent="0" algn="ctr" rtl="0">
               <a:spcBef>
                 <a:spcPts val="0"/>
               </a:spcBef>
@@ -6594,11 +6714,11 @@
 </file>
 
 <file path=ppt/slides/slide2.xml><?xml version="1.0" encoding="utf-8"?>
-<p:sld xmlns:a="http://schemas.openxmlformats.org/drawingml/2006/main" xmlns:r="http://schemas.openxmlformats.org/officeDocument/2006/relationships" xmlns:mc="http://schemas.openxmlformats.org/markup-compatibility/2006" xmlns:mv="urn:schemas-microsoft-com:mac:vml" xmlns:p="http://schemas.openxmlformats.org/presentationml/2006/main" xmlns:c="http://schemas.openxmlformats.org/drawingml/2006/chart" xmlns:dgm="http://schemas.openxmlformats.org/drawingml/2006/diagram" xmlns:o="urn:schemas-microsoft-com:office:office" xmlns:v="urn:schemas-microsoft-com:vml" xmlns:pvml="urn:schemas-microsoft-com:office:powerpoint" xmlns:com="http://schemas.openxmlformats.org/drawingml/2006/compatibility" xmlns:p14="http://schemas.microsoft.com/office/powerpoint/2010/main" xmlns:p15="http://schemas.microsoft.com/office/powerpoint/2012/main" xmlns:ahyp="http://schemas.microsoft.com/office/drawing/2018/hyperlinkcolor">
+<p:sld xmlns:a="http://schemas.openxmlformats.org/drawingml/2006/main" xmlns:r="http://schemas.openxmlformats.org/officeDocument/2006/relationships" xmlns:p="http://schemas.openxmlformats.org/presentationml/2006/main">
   <p:cSld>
     <p:spTree>
       <p:nvGrpSpPr>
-        <p:cNvPr id="65" name="Shape 65"/>
+        <p:cNvPr id="1" name="Shape 65"/>
         <p:cNvGrpSpPr/>
         <p:nvPr/>
       </p:nvGrpSpPr>
@@ -6613,7 +6733,9 @@
       <p:sp>
         <p:nvSpPr>
           <p:cNvPr id="66" name="Google Shape;66;p14"/>
-          <p:cNvSpPr txBox="1"/>
+          <p:cNvSpPr txBox="1">
+            <a:spLocks noGrp="1"/>
+          </p:cNvSpPr>
           <p:nvPr>
             <p:ph type="title"/>
           </p:nvPr>
@@ -6628,12 +6750,12 @@
           </a:prstGeom>
         </p:spPr>
         <p:txBody>
-          <a:bodyPr anchorCtr="0" anchor="t" bIns="91425" lIns="91425" spcFirstLastPara="1" rIns="91425" wrap="square" tIns="91425">
+          <a:bodyPr spcFirstLastPara="1" wrap="square" lIns="91425" tIns="91425" rIns="91425" bIns="91425" anchor="t" anchorCtr="0">
             <a:normAutofit fontScale="90000"/>
           </a:bodyPr>
           <a:lstStyle/>
           <a:p>
-            <a:pPr indent="0" lvl="0" marL="0" rtl="0" algn="l">
+            <a:pPr marL="0" lvl="0" indent="0" algn="l" rtl="0">
               <a:spcBef>
                 <a:spcPts val="0"/>
               </a:spcBef>
@@ -6688,7 +6810,7 @@
           <a:blip r:embed="rId4">
             <a:alphaModFix/>
           </a:blip>
-          <a:srcRect b="1391" l="1245" r="1421" t="1332"/>
+          <a:srcRect l="1245" t="1332" r="1421" b="1391"/>
           <a:stretch/>
         </p:blipFill>
         <p:spPr>
@@ -6715,7 +6837,7 @@
           <a:blip r:embed="rId4">
             <a:alphaModFix/>
           </a:blip>
-          <a:srcRect b="1400" l="1187" r="1479" t="1332"/>
+          <a:srcRect l="1187" t="1332" r="1479" b="1400"/>
           <a:stretch/>
         </p:blipFill>
         <p:spPr>
@@ -6742,7 +6864,7 @@
           <a:blip r:embed="rId5">
             <a:alphaModFix/>
           </a:blip>
-          <a:srcRect b="869" l="1380" r="0" t="1397"/>
+          <a:srcRect l="1380" t="1397" b="869"/>
           <a:stretch/>
         </p:blipFill>
         <p:spPr>
@@ -6779,12 +6901,12 @@
           </a:ln>
         </p:spPr>
         <p:txBody>
-          <a:bodyPr anchorCtr="0" anchor="t" bIns="91425" lIns="91425" spcFirstLastPara="1" rIns="91425" wrap="square" tIns="91425">
+          <a:bodyPr spcFirstLastPara="1" wrap="square" lIns="91425" tIns="91425" rIns="91425" bIns="91425" anchor="t" anchorCtr="0">
             <a:normAutofit/>
           </a:bodyPr>
           <a:lstStyle/>
           <a:p>
-            <a:pPr indent="0" lvl="0" marL="0" rtl="0" algn="ctr">
+            <a:pPr marL="0" lvl="0" indent="0" algn="ctr" rtl="0">
               <a:lnSpc>
                 <a:spcPct val="115000"/>
               </a:lnSpc>
@@ -6840,12 +6962,12 @@
           </a:ln>
         </p:spPr>
         <p:txBody>
-          <a:bodyPr anchorCtr="0" anchor="t" bIns="91425" lIns="91425" spcFirstLastPara="1" rIns="91425" wrap="square" tIns="91425">
+          <a:bodyPr spcFirstLastPara="1" wrap="square" lIns="91425" tIns="91425" rIns="91425" bIns="91425" anchor="t" anchorCtr="0">
             <a:normAutofit/>
           </a:bodyPr>
           <a:lstStyle/>
           <a:p>
-            <a:pPr indent="0" lvl="0" marL="0" rtl="0" algn="ctr">
+            <a:pPr marL="0" lvl="0" indent="0" algn="ctr" rtl="0">
               <a:lnSpc>
                 <a:spcPct val="115000"/>
               </a:lnSpc>
@@ -6901,12 +7023,12 @@
           </a:ln>
         </p:spPr>
         <p:txBody>
-          <a:bodyPr anchorCtr="0" anchor="t" bIns="91425" lIns="91425" spcFirstLastPara="1" rIns="91425" wrap="square" tIns="91425">
+          <a:bodyPr spcFirstLastPara="1" wrap="square" lIns="91425" tIns="91425" rIns="91425" bIns="91425" anchor="t" anchorCtr="0">
             <a:normAutofit/>
           </a:bodyPr>
           <a:lstStyle/>
           <a:p>
-            <a:pPr indent="0" lvl="0" marL="0" rtl="0" algn="l">
+            <a:pPr marL="0" lvl="0" indent="0" algn="l" rtl="0">
               <a:lnSpc>
                 <a:spcPct val="115000"/>
               </a:lnSpc>
@@ -6928,9 +7050,9 @@
                 <a:cs typeface="Average"/>
                 <a:sym typeface="Average"/>
               </a:rPr>
-              <a:t>Real - Predicted</a:t>
+              <a:t>Predicted - Real</a:t>
             </a:r>
-            <a:endParaRPr sz="2000">
+            <a:endParaRPr sz="2000" dirty="0">
               <a:solidFill>
                 <a:srgbClr val="CACACA"/>
               </a:solidFill>
@@ -7007,11 +7129,11 @@
 </file>
 
 <file path=ppt/slides/slide3.xml><?xml version="1.0" encoding="utf-8"?>
-<p:sld xmlns:a="http://schemas.openxmlformats.org/drawingml/2006/main" xmlns:r="http://schemas.openxmlformats.org/officeDocument/2006/relationships" xmlns:mc="http://schemas.openxmlformats.org/markup-compatibility/2006" xmlns:mv="urn:schemas-microsoft-com:mac:vml" xmlns:p="http://schemas.openxmlformats.org/presentationml/2006/main" xmlns:c="http://schemas.openxmlformats.org/drawingml/2006/chart" xmlns:dgm="http://schemas.openxmlformats.org/drawingml/2006/diagram" xmlns:o="urn:schemas-microsoft-com:office:office" xmlns:v="urn:schemas-microsoft-com:vml" xmlns:pvml="urn:schemas-microsoft-com:office:powerpoint" xmlns:com="http://schemas.openxmlformats.org/drawingml/2006/compatibility" xmlns:p14="http://schemas.microsoft.com/office/powerpoint/2010/main" xmlns:p15="http://schemas.microsoft.com/office/powerpoint/2012/main" xmlns:ahyp="http://schemas.microsoft.com/office/drawing/2018/hyperlinkcolor">
+<p:sld xmlns:a="http://schemas.openxmlformats.org/drawingml/2006/main" xmlns:r="http://schemas.openxmlformats.org/officeDocument/2006/relationships" xmlns:p="http://schemas.openxmlformats.org/presentationml/2006/main">
   <p:cSld>
     <p:spTree>
       <p:nvGrpSpPr>
-        <p:cNvPr id="79" name="Shape 79"/>
+        <p:cNvPr id="1" name="Shape 79"/>
         <p:cNvGrpSpPr/>
         <p:nvPr/>
       </p:nvGrpSpPr>
@@ -7026,7 +7148,9 @@
       <p:sp>
         <p:nvSpPr>
           <p:cNvPr id="80" name="Google Shape;80;p15"/>
-          <p:cNvSpPr txBox="1"/>
+          <p:cNvSpPr txBox="1">
+            <a:spLocks noGrp="1"/>
+          </p:cNvSpPr>
           <p:nvPr>
             <p:ph type="title"/>
           </p:nvPr>
@@ -7041,12 +7165,12 @@
           </a:prstGeom>
         </p:spPr>
         <p:txBody>
-          <a:bodyPr anchorCtr="0" anchor="t" bIns="91425" lIns="91425" spcFirstLastPara="1" rIns="91425" wrap="square" tIns="91425">
+          <a:bodyPr spcFirstLastPara="1" wrap="square" lIns="91425" tIns="91425" rIns="91425" bIns="91425" anchor="t" anchorCtr="0">
             <a:normAutofit fontScale="90000"/>
           </a:bodyPr>
           <a:lstStyle/>
           <a:p>
-            <a:pPr indent="0" lvl="0" marL="0" rtl="0" algn="l">
+            <a:pPr marL="0" lvl="0" indent="0" algn="l" rtl="0">
               <a:spcBef>
                 <a:spcPts val="0"/>
               </a:spcBef>
@@ -7100,11 +7224,11 @@
 </file>
 
 <file path=ppt/slides/slide4.xml><?xml version="1.0" encoding="utf-8"?>
-<p:sld xmlns:a="http://schemas.openxmlformats.org/drawingml/2006/main" xmlns:r="http://schemas.openxmlformats.org/officeDocument/2006/relationships" xmlns:mc="http://schemas.openxmlformats.org/markup-compatibility/2006" xmlns:mv="urn:schemas-microsoft-com:mac:vml" xmlns:p="http://schemas.openxmlformats.org/presentationml/2006/main" xmlns:c="http://schemas.openxmlformats.org/drawingml/2006/chart" xmlns:dgm="http://schemas.openxmlformats.org/drawingml/2006/diagram" xmlns:o="urn:schemas-microsoft-com:office:office" xmlns:v="urn:schemas-microsoft-com:vml" xmlns:pvml="urn:schemas-microsoft-com:office:powerpoint" xmlns:com="http://schemas.openxmlformats.org/drawingml/2006/compatibility" xmlns:p14="http://schemas.microsoft.com/office/powerpoint/2010/main" xmlns:p15="http://schemas.microsoft.com/office/powerpoint/2012/main" xmlns:ahyp="http://schemas.microsoft.com/office/drawing/2018/hyperlinkcolor">
+<p:sld xmlns:a="http://schemas.openxmlformats.org/drawingml/2006/main" xmlns:r="http://schemas.openxmlformats.org/officeDocument/2006/relationships" xmlns:p="http://schemas.openxmlformats.org/presentationml/2006/main">
   <p:cSld>
     <p:spTree>
       <p:nvGrpSpPr>
-        <p:cNvPr id="85" name="Shape 85"/>
+        <p:cNvPr id="1" name="Shape 85"/>
         <p:cNvGrpSpPr/>
         <p:nvPr/>
       </p:nvGrpSpPr>
@@ -7119,7 +7243,9 @@
       <p:sp>
         <p:nvSpPr>
           <p:cNvPr id="86" name="Google Shape;86;p16"/>
-          <p:cNvSpPr txBox="1"/>
+          <p:cNvSpPr txBox="1">
+            <a:spLocks noGrp="1"/>
+          </p:cNvSpPr>
           <p:nvPr>
             <p:ph type="title"/>
           </p:nvPr>
@@ -7134,12 +7260,12 @@
           </a:prstGeom>
         </p:spPr>
         <p:txBody>
-          <a:bodyPr anchorCtr="0" anchor="t" bIns="91425" lIns="91425" spcFirstLastPara="1" rIns="91425" wrap="square" tIns="91425">
+          <a:bodyPr spcFirstLastPara="1" wrap="square" lIns="91425" tIns="91425" rIns="91425" bIns="91425" anchor="t" anchorCtr="0">
             <a:normAutofit fontScale="90000"/>
           </a:bodyPr>
           <a:lstStyle/>
           <a:p>
-            <a:pPr indent="0" lvl="0" marL="0" rtl="0" algn="l">
+            <a:pPr marL="0" lvl="0" indent="0" algn="l" rtl="0">
               <a:spcBef>
                 <a:spcPts val="0"/>
               </a:spcBef>
@@ -7193,7 +7319,7 @@
 </file>
 
 <file path=ppt/theme/theme1.xml><?xml version="1.0" encoding="utf-8"?>
-<a:theme xmlns:a="http://schemas.openxmlformats.org/drawingml/2006/main" xmlns:r="http://schemas.openxmlformats.org/officeDocument/2006/relationships" name="Slate">
+<a:theme xmlns:a="http://schemas.openxmlformats.org/drawingml/2006/main" name="Slate">
   <a:themeElements>
     <a:clrScheme name="Slate">
       <a:dk1>
@@ -7468,11 +7594,13 @@
       </a:bgFillStyleLst>
     </a:fmtScheme>
   </a:themeElements>
+  <a:objectDefaults/>
+  <a:extraClrSchemeLst/>
 </a:theme>
 </file>
 
 <file path=ppt/theme/theme2.xml><?xml version="1.0" encoding="utf-8"?>
-<a:theme xmlns:a="http://schemas.openxmlformats.org/drawingml/2006/main" xmlns:r="http://schemas.openxmlformats.org/officeDocument/2006/relationships">
+<a:theme xmlns:a="http://schemas.openxmlformats.org/drawingml/2006/main">
   <a:themeElements>
     <a:clrScheme name="Default">
       <a:dk1>
@@ -7747,5 +7875,7 @@
       </a:bgFillStyleLst>
     </a:fmtScheme>
   </a:themeElements>
+  <a:objectDefaults/>
+  <a:extraClrSchemeLst/>
 </a:theme>
 </file>